--- a/content/_template_.pptx
+++ b/content/_template_.pptx
@@ -5,18 +5,19 @@
     <p:sldMasterId id="2147483696" r:id="rId1"/>
   </p:sldMasterIdLst>
   <p:notesMasterIdLst>
-    <p:notesMasterId r:id="rId11"/>
+    <p:notesMasterId r:id="rId12"/>
   </p:notesMasterIdLst>
   <p:sldIdLst>
     <p:sldId id="297" r:id="rId2"/>
     <p:sldId id="289" r:id="rId3"/>
     <p:sldId id="258" r:id="rId4"/>
-    <p:sldId id="296" r:id="rId5"/>
-    <p:sldId id="291" r:id="rId6"/>
-    <p:sldId id="294" r:id="rId7"/>
-    <p:sldId id="292" r:id="rId8"/>
-    <p:sldId id="293" r:id="rId9"/>
-    <p:sldId id="283" r:id="rId10"/>
+    <p:sldId id="298" r:id="rId5"/>
+    <p:sldId id="296" r:id="rId6"/>
+    <p:sldId id="291" r:id="rId7"/>
+    <p:sldId id="294" r:id="rId8"/>
+    <p:sldId id="292" r:id="rId9"/>
+    <p:sldId id="293" r:id="rId10"/>
+    <p:sldId id="283" r:id="rId11"/>
   </p:sldIdLst>
   <p:sldSz cx="12192000" cy="6858000"/>
   <p:notesSz cx="6858000" cy="9144000"/>
@@ -123,6 +124,7 @@
             <p14:sldId id="297"/>
             <p14:sldId id="289"/>
             <p14:sldId id="258"/>
+            <p14:sldId id="298"/>
           </p14:sldIdLst>
         </p14:section>
         <p14:section name="Content" id="{2C67B003-B916-43D3-BE5B-B3D36B8F4E1C}">
@@ -230,7 +232,7 @@
           <a:p>
             <a:fld id="{7BCB8214-0E7E-4EFC-9E1C-25F6159D4170}" type="datetimeFigureOut">
               <a:rPr lang="en-US" smtClean="0"/>
-              <a:t>8/9/2018</a:t>
+              <a:t>8/28/2018</a:t>
             </a:fld>
             <a:endParaRPr lang="en-US"/>
           </a:p>
@@ -672,7 +674,7 @@
           <a:p>
             <a:fld id="{0112F830-31CF-4898-9DC8-86941997CB87}" type="slidenum">
               <a:rPr lang="en-US" smtClean="0"/>
-              <a:t>7</a:t>
+              <a:t>8</a:t>
             </a:fld>
             <a:endParaRPr lang="en-US"/>
           </a:p>
@@ -822,7 +824,7 @@
           <a:p>
             <a:fld id="{C8AC65AB-5746-43EA-A59E-648FB11CA309}" type="datetimeFigureOut">
               <a:rPr lang="en-US" smtClean="0"/>
-              <a:t>8/9/2018</a:t>
+              <a:t>8/28/2018</a:t>
             </a:fld>
             <a:endParaRPr lang="en-US"/>
           </a:p>
@@ -992,7 +994,7 @@
           <a:p>
             <a:fld id="{C8AC65AB-5746-43EA-A59E-648FB11CA309}" type="datetimeFigureOut">
               <a:rPr lang="en-US" smtClean="0"/>
-              <a:t>8/9/2018</a:t>
+              <a:t>8/28/2018</a:t>
             </a:fld>
             <a:endParaRPr lang="en-US"/>
           </a:p>
@@ -1172,7 +1174,7 @@
           <a:p>
             <a:fld id="{C8AC65AB-5746-43EA-A59E-648FB11CA309}" type="datetimeFigureOut">
               <a:rPr lang="en-US" smtClean="0"/>
-              <a:t>8/9/2018</a:t>
+              <a:t>8/28/2018</a:t>
             </a:fld>
             <a:endParaRPr lang="en-US"/>
           </a:p>
@@ -1364,7 +1366,7 @@
           <a:p>
             <a:fld id="{C8AC65AB-5746-43EA-A59E-648FB11CA309}" type="datetimeFigureOut">
               <a:rPr lang="en-US" smtClean="0"/>
-              <a:t>8/9/2018</a:t>
+              <a:t>8/28/2018</a:t>
             </a:fld>
             <a:endParaRPr lang="en-US"/>
           </a:p>
@@ -1609,7 +1611,7 @@
           <a:p>
             <a:fld id="{C8AC65AB-5746-43EA-A59E-648FB11CA309}" type="datetimeFigureOut">
               <a:rPr lang="en-US" smtClean="0"/>
-              <a:t>8/9/2018</a:t>
+              <a:t>8/28/2018</a:t>
             </a:fld>
             <a:endParaRPr lang="en-US"/>
           </a:p>
@@ -1846,7 +1848,7 @@
           <a:p>
             <a:fld id="{C8AC65AB-5746-43EA-A59E-648FB11CA309}" type="datetimeFigureOut">
               <a:rPr lang="en-US" smtClean="0"/>
-              <a:t>8/9/2018</a:t>
+              <a:t>8/28/2018</a:t>
             </a:fld>
             <a:endParaRPr lang="en-US"/>
           </a:p>
@@ -2222,7 +2224,7 @@
           <a:p>
             <a:fld id="{C8AC65AB-5746-43EA-A59E-648FB11CA309}" type="datetimeFigureOut">
               <a:rPr lang="en-US" smtClean="0"/>
-              <a:t>8/9/2018</a:t>
+              <a:t>8/28/2018</a:t>
             </a:fld>
             <a:endParaRPr lang="en-US"/>
           </a:p>
@@ -2345,7 +2347,7 @@
           <a:p>
             <a:fld id="{C8AC65AB-5746-43EA-A59E-648FB11CA309}" type="datetimeFigureOut">
               <a:rPr lang="en-US" smtClean="0"/>
-              <a:t>8/9/2018</a:t>
+              <a:t>8/28/2018</a:t>
             </a:fld>
             <a:endParaRPr lang="en-US"/>
           </a:p>
@@ -2440,7 +2442,7 @@
           <a:p>
             <a:fld id="{C8AC65AB-5746-43EA-A59E-648FB11CA309}" type="datetimeFigureOut">
               <a:rPr lang="en-US" smtClean="0"/>
-              <a:t>8/9/2018</a:t>
+              <a:t>8/28/2018</a:t>
             </a:fld>
             <a:endParaRPr lang="en-US"/>
           </a:p>
@@ -2717,7 +2719,7 @@
           <a:p>
             <a:fld id="{C8AC65AB-5746-43EA-A59E-648FB11CA309}" type="datetimeFigureOut">
               <a:rPr lang="en-US" smtClean="0"/>
-              <a:t>8/9/2018</a:t>
+              <a:t>8/28/2018</a:t>
             </a:fld>
             <a:endParaRPr lang="en-US"/>
           </a:p>
@@ -2974,7 +2976,7 @@
           <a:p>
             <a:fld id="{C8AC65AB-5746-43EA-A59E-648FB11CA309}" type="datetimeFigureOut">
               <a:rPr lang="en-US" smtClean="0"/>
-              <a:t>8/9/2018</a:t>
+              <a:t>8/28/2018</a:t>
             </a:fld>
             <a:endParaRPr lang="en-US"/>
           </a:p>
@@ -3187,7 +3189,7 @@
           <a:p>
             <a:fld id="{C8AC65AB-5746-43EA-A59E-648FB11CA309}" type="datetimeFigureOut">
               <a:rPr lang="en-US" smtClean="0"/>
-              <a:t>8/9/2018</a:t>
+              <a:t>8/28/2018</a:t>
             </a:fld>
             <a:endParaRPr lang="en-US"/>
           </a:p>
@@ -3608,7 +3610,7 @@
                 <a16:creationId xmlns:a16="http://schemas.microsoft.com/office/drawing/2014/main" id="{6753252F-4873-4F63-801D-CC719279A7D5}"/>
               </a:ext>
               <a:ext uri="{C183D7F6-B498-43B3-948B-1728B52AA6E4}">
-                <adec:decorative xmlns:adec="http://schemas.microsoft.com/office/drawing/2017/decorative" val="1"/>
+                <adec:decorative xmlns:adec="http://schemas.microsoft.com/office/drawing/2017/decorative" xmlns="" val="1"/>
               </a:ext>
             </a:extLst>
           </p:cNvPr>
@@ -3700,7 +3702,7 @@
                 <a16:creationId xmlns:a16="http://schemas.microsoft.com/office/drawing/2014/main" id="{047C8CCB-F95D-4249-92DD-651249D3535A}"/>
               </a:ext>
               <a:ext uri="{C183D7F6-B498-43B3-948B-1728B52AA6E4}">
-                <adec:decorative xmlns:adec="http://schemas.microsoft.com/office/drawing/2017/decorative" val="1"/>
+                <adec:decorative xmlns:adec="http://schemas.microsoft.com/office/drawing/2017/decorative" xmlns="" val="1"/>
               </a:ext>
             </a:extLst>
           </p:cNvPr>
@@ -3891,6 +3893,446 @@
     <p:extLst>
       <p:ext uri="{BB962C8B-B14F-4D97-AF65-F5344CB8AC3E}">
         <p14:creationId xmlns:p14="http://schemas.microsoft.com/office/powerpoint/2010/main" val="746790537"/>
+      </p:ext>
+    </p:extLst>
+  </p:cSld>
+  <p:clrMapOvr>
+    <a:masterClrMapping/>
+  </p:clrMapOvr>
+</p:sld>
+</file>
+
+<file path=ppt/slides/slide10.xml><?xml version="1.0" encoding="utf-8"?>
+<p:sld xmlns:a="http://schemas.openxmlformats.org/drawingml/2006/main" xmlns:r="http://schemas.openxmlformats.org/officeDocument/2006/relationships" xmlns:p="http://schemas.openxmlformats.org/presentationml/2006/main">
+  <p:cSld>
+    <p:bg>
+      <p:bgPr>
+        <a:solidFill>
+          <a:schemeClr val="bg1"/>
+        </a:solidFill>
+        <a:effectLst/>
+      </p:bgPr>
+    </p:bg>
+    <p:spTree>
+      <p:nvGrpSpPr>
+        <p:cNvPr id="1" name=""/>
+        <p:cNvGrpSpPr/>
+        <p:nvPr/>
+      </p:nvGrpSpPr>
+      <p:grpSpPr>
+        <a:xfrm>
+          <a:off x="0" y="0"/>
+          <a:ext cx="0" cy="0"/>
+          <a:chOff x="0" y="0"/>
+          <a:chExt cx="0" cy="0"/>
+        </a:xfrm>
+      </p:grpSpPr>
+      <p:pic>
+        <p:nvPicPr>
+          <p:cNvPr id="16" name="Graphic 6">
+            <a:extLst>
+              <a:ext uri="{FF2B5EF4-FFF2-40B4-BE49-F238E27FC236}">
+                <a16:creationId xmlns:a16="http://schemas.microsoft.com/office/drawing/2014/main" id="{ACAAF5D7-299C-47E0-BF58-5B55CABE4EA9}"/>
+              </a:ext>
+            </a:extLst>
+          </p:cNvPr>
+          <p:cNvPicPr>
+            <a:picLocks noChangeAspect="1"/>
+          </p:cNvPicPr>
+          <p:nvPr/>
+        </p:nvPicPr>
+        <p:blipFill>
+          <a:blip r:embed="rId2">
+            <a:extLst>
+              <a:ext uri="{28A0092B-C50C-407E-A947-70E740481C1C}">
+                <a14:useLocalDpi xmlns:a14="http://schemas.microsoft.com/office/drawing/2010/main" val="0"/>
+              </a:ext>
+              <a:ext uri="{96DAC541-7B7A-43D3-8B79-37D633B846F1}">
+                <asvg:svgBlip xmlns:asvg="http://schemas.microsoft.com/office/drawing/2016/SVG/main" xmlns="" r:embed="rId3"/>
+              </a:ext>
+            </a:extLst>
+          </a:blip>
+          <a:stretch>
+            <a:fillRect/>
+          </a:stretch>
+        </p:blipFill>
+        <p:spPr>
+          <a:xfrm>
+            <a:off x="7571572" y="4648201"/>
+            <a:ext cx="1632648" cy="1632648"/>
+          </a:xfrm>
+          <a:prstGeom prst="rect">
+            <a:avLst/>
+          </a:prstGeom>
+        </p:spPr>
+      </p:pic>
+      <p:sp>
+        <p:nvSpPr>
+          <p:cNvPr id="17" name="Rectangle 9">
+            <a:extLst>
+              <a:ext uri="{FF2B5EF4-FFF2-40B4-BE49-F238E27FC236}">
+                <a16:creationId xmlns:a16="http://schemas.microsoft.com/office/drawing/2014/main" id="{1A882A9F-F4E9-4E23-8F0B-20B5DF42EAA9}"/>
+              </a:ext>
+              <a:ext uri="{C183D7F6-B498-43B3-948B-1728B52AA6E4}">
+                <adec:decorative xmlns:adec="http://schemas.microsoft.com/office/drawing/2017/decorative" xmlns="" val="1"/>
+              </a:ext>
+            </a:extLst>
+          </p:cNvPr>
+          <p:cNvSpPr>
+            <a:spLocks noGrp="1" noRot="1" noChangeAspect="1" noMove="1" noResize="1" noEditPoints="1" noAdjustHandles="1" noChangeArrowheads="1" noChangeShapeType="1" noTextEdit="1"/>
+          </p:cNvSpPr>
+          <p:nvPr>
+            <p:extLst>
+              <p:ext uri="{386F3935-93C4-4BCD-93E2-E3B085C9AB24}">
+                <p16:designElem xmlns:p16="http://schemas.microsoft.com/office/powerpoint/2015/main" val="1"/>
+              </p:ext>
+            </p:extLst>
+          </p:nvPr>
+        </p:nvSpPr>
+        <p:spPr>
+          <a:xfrm>
+            <a:off x="9619345" y="4521270"/>
+            <a:ext cx="2115455" cy="1890204"/>
+          </a:xfrm>
+          <a:prstGeom prst="rect">
+            <a:avLst/>
+          </a:prstGeom>
+          <a:solidFill>
+            <a:schemeClr val="accent1">
+              <a:alpha val="95000"/>
+            </a:schemeClr>
+          </a:solidFill>
+          <a:ln w="25400">
+            <a:noFill/>
+          </a:ln>
+        </p:spPr>
+        <p:style>
+          <a:lnRef idx="2">
+            <a:schemeClr val="accent1">
+              <a:shade val="50000"/>
+            </a:schemeClr>
+          </a:lnRef>
+          <a:fillRef idx="1">
+            <a:schemeClr val="accent1"/>
+          </a:fillRef>
+          <a:effectRef idx="0">
+            <a:schemeClr val="accent1"/>
+          </a:effectRef>
+          <a:fontRef idx="minor">
+            <a:schemeClr val="lt1"/>
+          </a:fontRef>
+        </p:style>
+        <p:txBody>
+          <a:bodyPr rtlCol="0" anchor="ctr"/>
+          <a:lstStyle/>
+          <a:p>
+            <a:pPr marL="0" marR="0" lvl="0" indent="0" algn="ctr" defTabSz="914400" rtl="0" eaLnBrk="1" fontAlgn="auto" latinLnBrk="0" hangingPunct="1">
+              <a:lnSpc>
+                <a:spcPct val="100000"/>
+              </a:lnSpc>
+              <a:spcBef>
+                <a:spcPts val="0"/>
+              </a:spcBef>
+              <a:spcAft>
+                <a:spcPts val="0"/>
+              </a:spcAft>
+              <a:buClrTx/>
+              <a:buSzTx/>
+              <a:buFontTx/>
+              <a:buNone/>
+              <a:tabLst/>
+              <a:defRPr/>
+            </a:pPr>
+            <a:endParaRPr kumimoji="0" lang="en-US" sz="1800" b="0" i="0" u="none" strike="noStrike" kern="1200" cap="none" spc="0" normalizeH="0" baseline="0" noProof="0">
+              <a:ln>
+                <a:noFill/>
+              </a:ln>
+              <a:solidFill>
+                <a:srgbClr val="FFFFFF"/>
+              </a:solidFill>
+              <a:effectLst/>
+              <a:uLnTx/>
+              <a:uFillTx/>
+              <a:latin typeface="Calibri" panose="020F0502020204030204"/>
+              <a:ea typeface="+mn-ea"/>
+              <a:cs typeface="+mn-cs"/>
+            </a:endParaRPr>
+          </a:p>
+        </p:txBody>
+      </p:sp>
+      <p:sp>
+        <p:nvSpPr>
+          <p:cNvPr id="18" name="Rectangle 11">
+            <a:extLst>
+              <a:ext uri="{FF2B5EF4-FFF2-40B4-BE49-F238E27FC236}">
+                <a16:creationId xmlns:a16="http://schemas.microsoft.com/office/drawing/2014/main" id="{FBE9F90C-C163-435B-9A68-D15C92D1CF2B}"/>
+              </a:ext>
+              <a:ext uri="{C183D7F6-B498-43B3-948B-1728B52AA6E4}">
+                <adec:decorative xmlns:adec="http://schemas.microsoft.com/office/drawing/2017/decorative" xmlns="" val="1"/>
+              </a:ext>
+            </a:extLst>
+          </p:cNvPr>
+          <p:cNvSpPr>
+            <a:spLocks noGrp="1" noRot="1" noChangeAspect="1" noMove="1" noResize="1" noEditPoints="1" noAdjustHandles="1" noChangeArrowheads="1" noChangeShapeType="1" noTextEdit="1"/>
+          </p:cNvSpPr>
+          <p:nvPr>
+            <p:extLst>
+              <p:ext uri="{386F3935-93C4-4BCD-93E2-E3B085C9AB24}">
+                <p16:designElem xmlns:p16="http://schemas.microsoft.com/office/powerpoint/2015/main" val="1"/>
+              </p:ext>
+            </p:extLst>
+          </p:nvPr>
+        </p:nvSpPr>
+        <p:spPr>
+          <a:xfrm>
+            <a:off x="457200" y="4521269"/>
+            <a:ext cx="6699246" cy="1877811"/>
+          </a:xfrm>
+          <a:prstGeom prst="rect">
+            <a:avLst/>
+          </a:prstGeom>
+          <a:solidFill>
+            <a:srgbClr val="A5A5A5">
+              <a:alpha val="80000"/>
+            </a:srgbClr>
+          </a:solidFill>
+          <a:ln w="25400">
+            <a:noFill/>
+          </a:ln>
+        </p:spPr>
+        <p:style>
+          <a:lnRef idx="2">
+            <a:schemeClr val="accent1">
+              <a:shade val="50000"/>
+            </a:schemeClr>
+          </a:lnRef>
+          <a:fillRef idx="1">
+            <a:schemeClr val="accent1"/>
+          </a:fillRef>
+          <a:effectRef idx="0">
+            <a:schemeClr val="accent1"/>
+          </a:effectRef>
+          <a:fontRef idx="minor">
+            <a:schemeClr val="lt1"/>
+          </a:fontRef>
+        </p:style>
+        <p:txBody>
+          <a:bodyPr rtlCol="0" anchor="ctr"/>
+          <a:lstStyle/>
+          <a:p>
+            <a:pPr marL="0" marR="0" lvl="0" indent="0" algn="ctr" defTabSz="914400" rtl="0" eaLnBrk="1" fontAlgn="auto" latinLnBrk="0" hangingPunct="1">
+              <a:lnSpc>
+                <a:spcPct val="100000"/>
+              </a:lnSpc>
+              <a:spcBef>
+                <a:spcPts val="0"/>
+              </a:spcBef>
+              <a:spcAft>
+                <a:spcPts val="0"/>
+              </a:spcAft>
+              <a:buClrTx/>
+              <a:buSzTx/>
+              <a:buFontTx/>
+              <a:buNone/>
+              <a:tabLst/>
+              <a:defRPr/>
+            </a:pPr>
+            <a:endParaRPr kumimoji="0" lang="en-US" sz="1800" b="0" i="0" u="none" strike="noStrike" kern="1200" cap="none" spc="0" normalizeH="0" baseline="0" noProof="0">
+              <a:ln>
+                <a:noFill/>
+              </a:ln>
+              <a:solidFill>
+                <a:srgbClr val="FFFFFF"/>
+              </a:solidFill>
+              <a:effectLst/>
+              <a:uLnTx/>
+              <a:uFillTx/>
+              <a:latin typeface="Calibri" panose="020F0502020204030204"/>
+              <a:ea typeface="+mn-ea"/>
+              <a:cs typeface="+mn-cs"/>
+            </a:endParaRPr>
+          </a:p>
+        </p:txBody>
+      </p:sp>
+      <p:sp>
+        <p:nvSpPr>
+          <p:cNvPr id="19" name="Rectangle 13">
+            <a:extLst>
+              <a:ext uri="{FF2B5EF4-FFF2-40B4-BE49-F238E27FC236}">
+                <a16:creationId xmlns:a16="http://schemas.microsoft.com/office/drawing/2014/main" id="{CDA1A2E9-63FE-408D-A803-8E306ECAB4B3}"/>
+              </a:ext>
+              <a:ext uri="{C183D7F6-B498-43B3-948B-1728B52AA6E4}">
+                <adec:decorative xmlns:adec="http://schemas.microsoft.com/office/drawing/2017/decorative" xmlns="" val="1"/>
+              </a:ext>
+            </a:extLst>
+          </p:cNvPr>
+          <p:cNvSpPr>
+            <a:spLocks noGrp="1" noRot="1" noChangeAspect="1" noMove="1" noResize="1" noEditPoints="1" noAdjustHandles="1" noChangeArrowheads="1" noChangeShapeType="1" noTextEdit="1"/>
+          </p:cNvSpPr>
+          <p:nvPr>
+            <p:extLst>
+              <p:ext uri="{386F3935-93C4-4BCD-93E2-E3B085C9AB24}">
+                <p16:designElem xmlns:p16="http://schemas.microsoft.com/office/powerpoint/2015/main" val="1"/>
+              </p:ext>
+            </p:extLst>
+          </p:nvPr>
+        </p:nvSpPr>
+        <p:spPr>
+          <a:xfrm>
+            <a:off x="462058" y="450221"/>
+            <a:ext cx="11272742" cy="3918123"/>
+          </a:xfrm>
+          <a:prstGeom prst="rect">
+            <a:avLst/>
+          </a:prstGeom>
+          <a:solidFill>
+            <a:srgbClr val="404040">
+              <a:alpha val="95000"/>
+            </a:srgbClr>
+          </a:solidFill>
+          <a:ln w="25400">
+            <a:noFill/>
+          </a:ln>
+        </p:spPr>
+        <p:style>
+          <a:lnRef idx="2">
+            <a:schemeClr val="accent1">
+              <a:shade val="50000"/>
+            </a:schemeClr>
+          </a:lnRef>
+          <a:fillRef idx="1">
+            <a:schemeClr val="accent1"/>
+          </a:fillRef>
+          <a:effectRef idx="0">
+            <a:schemeClr val="accent1"/>
+          </a:effectRef>
+          <a:fontRef idx="minor">
+            <a:schemeClr val="lt1"/>
+          </a:fontRef>
+        </p:style>
+        <p:txBody>
+          <a:bodyPr rtlCol="0" anchor="ctr"/>
+          <a:lstStyle/>
+          <a:p>
+            <a:pPr marL="0" marR="0" lvl="0" indent="0" algn="ctr" defTabSz="914400" rtl="0" eaLnBrk="1" fontAlgn="auto" latinLnBrk="0" hangingPunct="1">
+              <a:lnSpc>
+                <a:spcPct val="100000"/>
+              </a:lnSpc>
+              <a:spcBef>
+                <a:spcPts val="0"/>
+              </a:spcBef>
+              <a:spcAft>
+                <a:spcPts val="0"/>
+              </a:spcAft>
+              <a:buClrTx/>
+              <a:buSzTx/>
+              <a:buFontTx/>
+              <a:buNone/>
+              <a:tabLst/>
+              <a:defRPr/>
+            </a:pPr>
+            <a:endParaRPr kumimoji="0" lang="en-US" sz="1800" b="0" i="0" u="none" strike="noStrike" kern="1200" cap="none" spc="0" normalizeH="0" baseline="0" noProof="0">
+              <a:ln>
+                <a:noFill/>
+              </a:ln>
+              <a:solidFill>
+                <a:srgbClr val="404040"/>
+              </a:solidFill>
+              <a:effectLst/>
+              <a:uLnTx/>
+              <a:uFillTx/>
+              <a:latin typeface="Calibri" panose="020F0502020204030204"/>
+              <a:ea typeface="+mn-ea"/>
+              <a:cs typeface="+mn-cs"/>
+            </a:endParaRPr>
+          </a:p>
+        </p:txBody>
+      </p:sp>
+      <p:sp>
+        <p:nvSpPr>
+          <p:cNvPr id="2" name="Title 1">
+            <a:extLst>
+              <a:ext uri="{FF2B5EF4-FFF2-40B4-BE49-F238E27FC236}">
+                <a16:creationId xmlns:a16="http://schemas.microsoft.com/office/drawing/2014/main" id="{D0609B61-82D2-41BE-878C-5AA5CB99D844}"/>
+              </a:ext>
+            </a:extLst>
+          </p:cNvPr>
+          <p:cNvSpPr>
+            <a:spLocks noGrp="1"/>
+          </p:cNvSpPr>
+          <p:nvPr>
+            <p:ph type="title"/>
+          </p:nvPr>
+        </p:nvSpPr>
+        <p:spPr>
+          <a:xfrm>
+            <a:off x="1100669" y="1111086"/>
+            <a:ext cx="10011831" cy="2623885"/>
+          </a:xfrm>
+        </p:spPr>
+        <p:txBody>
+          <a:bodyPr vert="horz" lIns="91440" tIns="45720" rIns="91440" bIns="45720" rtlCol="0" anchor="ctr">
+            <a:normAutofit/>
+          </a:bodyPr>
+          <a:lstStyle/>
+          <a:p>
+            <a:r>
+              <a:rPr lang="en-US" kern="1200">
+                <a:solidFill>
+                  <a:srgbClr val="FFFFFF"/>
+                </a:solidFill>
+                <a:latin typeface="+mj-lt"/>
+                <a:ea typeface="+mj-ea"/>
+                <a:cs typeface="+mj-cs"/>
+              </a:rPr>
+              <a:t>Questions?</a:t>
+            </a:r>
+          </a:p>
+        </p:txBody>
+      </p:sp>
+      <p:sp>
+        <p:nvSpPr>
+          <p:cNvPr id="3" name="Text Placeholder 2">
+            <a:extLst>
+              <a:ext uri="{FF2B5EF4-FFF2-40B4-BE49-F238E27FC236}">
+                <a16:creationId xmlns:a16="http://schemas.microsoft.com/office/drawing/2014/main" id="{5313E040-28CB-4E2D-87FE-76D4CD5AA7CB}"/>
+              </a:ext>
+            </a:extLst>
+          </p:cNvPr>
+          <p:cNvSpPr>
+            <a:spLocks noGrp="1"/>
+          </p:cNvSpPr>
+          <p:nvPr>
+            <p:ph type="body" idx="1"/>
+          </p:nvPr>
+        </p:nvSpPr>
+        <p:spPr>
+          <a:xfrm>
+            <a:off x="1079500" y="4843002"/>
+            <a:ext cx="5433479" cy="1234345"/>
+          </a:xfrm>
+        </p:spPr>
+        <p:txBody>
+          <a:bodyPr vert="horz" lIns="91440" tIns="45720" rIns="91440" bIns="45720" rtlCol="0" anchor="ctr">
+            <a:normAutofit/>
+          </a:bodyPr>
+          <a:lstStyle/>
+          <a:p>
+            <a:endParaRPr lang="en-US" sz="2400" kern="1200" dirty="0">
+              <a:solidFill>
+                <a:srgbClr val="1B1B1B"/>
+              </a:solidFill>
+              <a:latin typeface="+mn-lt"/>
+              <a:ea typeface="+mn-ea"/>
+              <a:cs typeface="+mn-cs"/>
+            </a:endParaRPr>
+          </a:p>
+        </p:txBody>
+      </p:sp>
+    </p:spTree>
+    <p:extLst>
+      <p:ext uri="{BB962C8B-B14F-4D97-AF65-F5344CB8AC3E}">
+        <p14:creationId xmlns:p14="http://schemas.microsoft.com/office/powerpoint/2010/main" val="3207482286"/>
       </p:ext>
     </p:extLst>
   </p:cSld>
@@ -3946,7 +4388,7 @@
                 <a14:useLocalDpi xmlns:a14="http://schemas.microsoft.com/office/drawing/2010/main" val="0"/>
               </a:ext>
               <a:ext uri="{96DAC541-7B7A-43D3-8B79-37D633B846F1}">
-                <asvg:svgBlip xmlns:asvg="http://schemas.microsoft.com/office/drawing/2016/SVG/main" r:embed="rId3"/>
+                <asvg:svgBlip xmlns:asvg="http://schemas.microsoft.com/office/drawing/2016/SVG/main" xmlns="" r:embed="rId3"/>
               </a:ext>
             </a:extLst>
           </a:blip>
@@ -4110,7 +4552,7 @@
                 <a16:creationId xmlns:a16="http://schemas.microsoft.com/office/drawing/2014/main" id="{F98ED85F-DCEE-4B50-802E-71A6E3E12B04}"/>
               </a:ext>
               <a:ext uri="{C183D7F6-B498-43B3-948B-1728B52AA6E4}">
-                <adec:decorative xmlns:adec="http://schemas.microsoft.com/office/drawing/2017/decorative" val="1"/>
+                <adec:decorative xmlns:adec="http://schemas.microsoft.com/office/drawing/2017/decorative" xmlns="" val="1"/>
               </a:ext>
             </a:extLst>
           </p:cNvPr>
@@ -4293,6 +4735,16 @@
 <file path=ppt/slides/slide4.xml><?xml version="1.0" encoding="utf-8"?>
 <p:sld xmlns:a="http://schemas.openxmlformats.org/drawingml/2006/main" xmlns:r="http://schemas.openxmlformats.org/officeDocument/2006/relationships" xmlns:p="http://schemas.openxmlformats.org/presentationml/2006/main">
   <p:cSld>
+    <p:bg>
+      <p:bgPr>
+        <a:solidFill>
+          <a:schemeClr val="tx2">
+            <a:lumMod val="25000"/>
+          </a:schemeClr>
+        </a:solidFill>
+        <a:effectLst/>
+      </p:bgPr>
+    </p:bg>
     <p:spTree>
       <p:nvGrpSpPr>
         <p:cNvPr id="1" name=""/>
@@ -4309,6 +4761,104 @@
       </p:grpSpPr>
       <p:sp>
         <p:nvSpPr>
+          <p:cNvPr id="2" name="Title 1"/>
+          <p:cNvSpPr>
+            <a:spLocks noGrp="1"/>
+          </p:cNvSpPr>
+          <p:nvPr>
+            <p:ph type="ctrTitle"/>
+          </p:nvPr>
+        </p:nvSpPr>
+        <p:spPr/>
+        <p:txBody>
+          <a:bodyPr>
+            <a:normAutofit/>
+          </a:bodyPr>
+          <a:lstStyle/>
+          <a:p>
+            <a:r>
+              <a:rPr lang="en-US" sz="7200" dirty="0" smtClean="0"/>
+              <a:t>Lab Debrief</a:t>
+            </a:r>
+            <a:endParaRPr lang="en-US" sz="7200" dirty="0"/>
+          </a:p>
+        </p:txBody>
+      </p:sp>
+      <p:sp>
+        <p:nvSpPr>
+          <p:cNvPr id="5" name="Subtitle 4"/>
+          <p:cNvSpPr>
+            <a:spLocks noGrp="1"/>
+          </p:cNvSpPr>
+          <p:nvPr>
+            <p:ph type="subTitle" idx="1"/>
+          </p:nvPr>
+        </p:nvSpPr>
+        <p:spPr/>
+        <p:txBody>
+          <a:bodyPr/>
+          <a:lstStyle/>
+          <a:p>
+            <a:endParaRPr lang="en-US"/>
+          </a:p>
+        </p:txBody>
+      </p:sp>
+      <p:pic>
+        <p:nvPicPr>
+          <p:cNvPr id="4" name="Picture 3"/>
+          <p:cNvPicPr>
+            <a:picLocks noChangeAspect="1"/>
+          </p:cNvPicPr>
+          <p:nvPr/>
+        </p:nvPicPr>
+        <p:blipFill>
+          <a:blip r:embed="rId2"/>
+          <a:stretch>
+            <a:fillRect/>
+          </a:stretch>
+        </p:blipFill>
+        <p:spPr>
+          <a:xfrm>
+            <a:off x="5327349" y="3738731"/>
+            <a:ext cx="1727969" cy="1382375"/>
+          </a:xfrm>
+          <a:prstGeom prst="rect">
+            <a:avLst/>
+          </a:prstGeom>
+        </p:spPr>
+      </p:pic>
+    </p:spTree>
+    <p:extLst>
+      <p:ext uri="{BB962C8B-B14F-4D97-AF65-F5344CB8AC3E}">
+        <p14:creationId xmlns:p14="http://schemas.microsoft.com/office/powerpoint/2010/main" val="1734027273"/>
+      </p:ext>
+    </p:extLst>
+  </p:cSld>
+  <p:clrMapOvr>
+    <a:masterClrMapping/>
+  </p:clrMapOvr>
+</p:sld>
+</file>
+
+<file path=ppt/slides/slide5.xml><?xml version="1.0" encoding="utf-8"?>
+<p:sld xmlns:a="http://schemas.openxmlformats.org/drawingml/2006/main" xmlns:r="http://schemas.openxmlformats.org/officeDocument/2006/relationships" xmlns:p="http://schemas.openxmlformats.org/presentationml/2006/main">
+  <p:cSld>
+    <p:spTree>
+      <p:nvGrpSpPr>
+        <p:cNvPr id="1" name=""/>
+        <p:cNvGrpSpPr/>
+        <p:nvPr/>
+      </p:nvGrpSpPr>
+      <p:grpSpPr>
+        <a:xfrm>
+          <a:off x="0" y="0"/>
+          <a:ext cx="0" cy="0"/>
+          <a:chOff x="0" y="0"/>
+          <a:chExt cx="0" cy="0"/>
+        </a:xfrm>
+      </p:grpSpPr>
+      <p:sp>
+        <p:nvSpPr>
           <p:cNvPr id="2" name="Title 1">
             <a:extLst>
               <a:ext uri="{FF2B5EF4-FFF2-40B4-BE49-F238E27FC236}">
@@ -4398,7 +4948,7 @@
 </p:sld>
 </file>
 
-<file path=ppt/slides/slide5.xml><?xml version="1.0" encoding="utf-8"?>
+<file path=ppt/slides/slide6.xml><?xml version="1.0" encoding="utf-8"?>
 <p:sld xmlns:a="http://schemas.openxmlformats.org/drawingml/2006/main" xmlns:r="http://schemas.openxmlformats.org/officeDocument/2006/relationships" xmlns:p="http://schemas.openxmlformats.org/presentationml/2006/main">
   <p:cSld>
     <p:bg>
@@ -4431,7 +4981,7 @@
                 <a16:creationId xmlns:a16="http://schemas.microsoft.com/office/drawing/2014/main" id="{C66F2F30-5DC0-44A0-BFA6-E12F46ED16DA}"/>
               </a:ext>
               <a:ext uri="{C183D7F6-B498-43B3-948B-1728B52AA6E4}">
-                <adec:decorative xmlns:adec="http://schemas.microsoft.com/office/drawing/2017/decorative" val="1"/>
+                <adec:decorative xmlns:adec="http://schemas.microsoft.com/office/drawing/2017/decorative" xmlns="" val="1"/>
               </a:ext>
             </a:extLst>
           </p:cNvPr>
@@ -4555,7 +5105,7 @@
                 <a16:creationId xmlns:a16="http://schemas.microsoft.com/office/drawing/2014/main" id="{85872F57-7F42-4F97-8391-DDC8D0054C03}"/>
               </a:ext>
               <a:ext uri="{C183D7F6-B498-43B3-948B-1728B52AA6E4}">
-                <adec:decorative xmlns:adec="http://schemas.microsoft.com/office/drawing/2017/decorative" val="1"/>
+                <adec:decorative xmlns:adec="http://schemas.microsoft.com/office/drawing/2017/decorative" xmlns="" val="1"/>
               </a:ext>
             </a:extLst>
           </p:cNvPr>
@@ -4711,7 +5261,7 @@
                 <a16:creationId xmlns:a16="http://schemas.microsoft.com/office/drawing/2014/main" id="{04DC2037-48A0-4F22-B9D4-8EAEBC780AB4}"/>
               </a:ext>
               <a:ext uri="{C183D7F6-B498-43B3-948B-1728B52AA6E4}">
-                <adec:decorative xmlns:adec="http://schemas.microsoft.com/office/drawing/2017/decorative" val="1"/>
+                <adec:decorative xmlns:adec="http://schemas.microsoft.com/office/drawing/2017/decorative" xmlns="" val="1"/>
               </a:ext>
             </a:extLst>
           </p:cNvPr>
@@ -4816,7 +5366,7 @@
                 <a16:creationId xmlns:a16="http://schemas.microsoft.com/office/drawing/2014/main" id="{0006CBFD-ADA0-43D1-9332-9C34CA1C76ED}"/>
               </a:ext>
               <a:ext uri="{C183D7F6-B498-43B3-948B-1728B52AA6E4}">
-                <adec:decorative xmlns:adec="http://schemas.microsoft.com/office/drawing/2017/decorative" val="1"/>
+                <adec:decorative xmlns:adec="http://schemas.microsoft.com/office/drawing/2017/decorative" xmlns="" val="1"/>
               </a:ext>
             </a:extLst>
           </p:cNvPr>
@@ -4924,7 +5474,7 @@
                 <a16:creationId xmlns:a16="http://schemas.microsoft.com/office/drawing/2014/main" id="{2B931666-F28F-45F3-A074-66D2272D580B}"/>
               </a:ext>
               <a:ext uri="{C183D7F6-B498-43B3-948B-1728B52AA6E4}">
-                <adec:decorative xmlns:adec="http://schemas.microsoft.com/office/drawing/2017/decorative" val="1"/>
+                <adec:decorative xmlns:adec="http://schemas.microsoft.com/office/drawing/2017/decorative" xmlns="" val="1"/>
               </a:ext>
             </a:extLst>
           </p:cNvPr>
@@ -5140,7 +5690,7 @@
 </p:sld>
 </file>
 
-<file path=ppt/slides/slide6.xml><?xml version="1.0" encoding="utf-8"?>
+<file path=ppt/slides/slide7.xml><?xml version="1.0" encoding="utf-8"?>
 <p:sld xmlns:a="http://schemas.openxmlformats.org/drawingml/2006/main" xmlns:r="http://schemas.openxmlformats.org/officeDocument/2006/relationships" xmlns:p="http://schemas.openxmlformats.org/presentationml/2006/main">
   <p:cSld>
     <p:spTree>
@@ -5245,7 +5795,7 @@
 </p:sld>
 </file>
 
-<file path=ppt/slides/slide7.xml><?xml version="1.0" encoding="utf-8"?>
+<file path=ppt/slides/slide8.xml><?xml version="1.0" encoding="utf-8"?>
 <p:sld xmlns:a="http://schemas.openxmlformats.org/drawingml/2006/main" xmlns:r="http://schemas.openxmlformats.org/officeDocument/2006/relationships" xmlns:p="http://schemas.openxmlformats.org/presentationml/2006/main">
   <p:cSld>
     <p:bg>
@@ -5291,7 +5841,7 @@
                 <a14:useLocalDpi xmlns:a14="http://schemas.microsoft.com/office/drawing/2010/main" val="0"/>
               </a:ext>
               <a:ext uri="{96DAC541-7B7A-43D3-8B79-37D633B846F1}">
-                <asvg:svgBlip xmlns:asvg="http://schemas.microsoft.com/office/drawing/2016/SVG/main" r:embed="rId4"/>
+                <asvg:svgBlip xmlns:asvg="http://schemas.microsoft.com/office/drawing/2016/SVG/main" xmlns="" r:embed="rId4"/>
               </a:ext>
             </a:extLst>
           </a:blip>
@@ -5317,7 +5867,7 @@
                 <a16:creationId xmlns:a16="http://schemas.microsoft.com/office/drawing/2014/main" id="{1A882A9F-F4E9-4E23-8F0B-20B5DF42EAA9}"/>
               </a:ext>
               <a:ext uri="{C183D7F6-B498-43B3-948B-1728B52AA6E4}">
-                <adec:decorative xmlns:adec="http://schemas.microsoft.com/office/drawing/2017/decorative" val="1"/>
+                <adec:decorative xmlns:adec="http://schemas.microsoft.com/office/drawing/2017/decorative" xmlns="" val="1"/>
               </a:ext>
             </a:extLst>
           </p:cNvPr>
@@ -5411,7 +5961,7 @@
                 <a16:creationId xmlns:a16="http://schemas.microsoft.com/office/drawing/2014/main" id="{FBE9F90C-C163-435B-9A68-D15C92D1CF2B}"/>
               </a:ext>
               <a:ext uri="{C183D7F6-B498-43B3-948B-1728B52AA6E4}">
-                <adec:decorative xmlns:adec="http://schemas.microsoft.com/office/drawing/2017/decorative" val="1"/>
+                <adec:decorative xmlns:adec="http://schemas.microsoft.com/office/drawing/2017/decorative" xmlns="" val="1"/>
               </a:ext>
             </a:extLst>
           </p:cNvPr>
@@ -5505,7 +6055,7 @@
                 <a16:creationId xmlns:a16="http://schemas.microsoft.com/office/drawing/2014/main" id="{CDA1A2E9-63FE-408D-A803-8E306ECAB4B3}"/>
               </a:ext>
               <a:ext uri="{C183D7F6-B498-43B3-948B-1728B52AA6E4}">
-                <adec:decorative xmlns:adec="http://schemas.microsoft.com/office/drawing/2017/decorative" val="1"/>
+                <adec:decorative xmlns:adec="http://schemas.microsoft.com/office/drawing/2017/decorative" xmlns="" val="1"/>
               </a:ext>
             </a:extLst>
           </p:cNvPr>
@@ -5737,7 +6287,7 @@
 </p:sld>
 </file>
 
-<file path=ppt/slides/slide8.xml><?xml version="1.0" encoding="utf-8"?>
+<file path=ppt/slides/slide9.xml><?xml version="1.0" encoding="utf-8"?>
 <p:sld xmlns:a="http://schemas.openxmlformats.org/drawingml/2006/main" xmlns:r="http://schemas.openxmlformats.org/officeDocument/2006/relationships" xmlns:p="http://schemas.openxmlformats.org/presentationml/2006/main">
   <p:cSld>
     <p:spTree>
@@ -5822,446 +6372,6 @@
     <p:extLst>
       <p:ext uri="{BB962C8B-B14F-4D97-AF65-F5344CB8AC3E}">
         <p14:creationId xmlns:p14="http://schemas.microsoft.com/office/powerpoint/2010/main" val="2421930778"/>
-      </p:ext>
-    </p:extLst>
-  </p:cSld>
-  <p:clrMapOvr>
-    <a:masterClrMapping/>
-  </p:clrMapOvr>
-</p:sld>
-</file>
-
-<file path=ppt/slides/slide9.xml><?xml version="1.0" encoding="utf-8"?>
-<p:sld xmlns:a="http://schemas.openxmlformats.org/drawingml/2006/main" xmlns:r="http://schemas.openxmlformats.org/officeDocument/2006/relationships" xmlns:p="http://schemas.openxmlformats.org/presentationml/2006/main">
-  <p:cSld>
-    <p:bg>
-      <p:bgPr>
-        <a:solidFill>
-          <a:schemeClr val="bg1"/>
-        </a:solidFill>
-        <a:effectLst/>
-      </p:bgPr>
-    </p:bg>
-    <p:spTree>
-      <p:nvGrpSpPr>
-        <p:cNvPr id="1" name=""/>
-        <p:cNvGrpSpPr/>
-        <p:nvPr/>
-      </p:nvGrpSpPr>
-      <p:grpSpPr>
-        <a:xfrm>
-          <a:off x="0" y="0"/>
-          <a:ext cx="0" cy="0"/>
-          <a:chOff x="0" y="0"/>
-          <a:chExt cx="0" cy="0"/>
-        </a:xfrm>
-      </p:grpSpPr>
-      <p:pic>
-        <p:nvPicPr>
-          <p:cNvPr id="16" name="Graphic 6">
-            <a:extLst>
-              <a:ext uri="{FF2B5EF4-FFF2-40B4-BE49-F238E27FC236}">
-                <a16:creationId xmlns:a16="http://schemas.microsoft.com/office/drawing/2014/main" id="{ACAAF5D7-299C-47E0-BF58-5B55CABE4EA9}"/>
-              </a:ext>
-            </a:extLst>
-          </p:cNvPr>
-          <p:cNvPicPr>
-            <a:picLocks noChangeAspect="1"/>
-          </p:cNvPicPr>
-          <p:nvPr/>
-        </p:nvPicPr>
-        <p:blipFill>
-          <a:blip r:embed="rId2">
-            <a:extLst>
-              <a:ext uri="{28A0092B-C50C-407E-A947-70E740481C1C}">
-                <a14:useLocalDpi xmlns:a14="http://schemas.microsoft.com/office/drawing/2010/main" val="0"/>
-              </a:ext>
-              <a:ext uri="{96DAC541-7B7A-43D3-8B79-37D633B846F1}">
-                <asvg:svgBlip xmlns:asvg="http://schemas.microsoft.com/office/drawing/2016/SVG/main" r:embed="rId3"/>
-              </a:ext>
-            </a:extLst>
-          </a:blip>
-          <a:stretch>
-            <a:fillRect/>
-          </a:stretch>
-        </p:blipFill>
-        <p:spPr>
-          <a:xfrm>
-            <a:off x="7571572" y="4648201"/>
-            <a:ext cx="1632648" cy="1632648"/>
-          </a:xfrm>
-          <a:prstGeom prst="rect">
-            <a:avLst/>
-          </a:prstGeom>
-        </p:spPr>
-      </p:pic>
-      <p:sp>
-        <p:nvSpPr>
-          <p:cNvPr id="17" name="Rectangle 9">
-            <a:extLst>
-              <a:ext uri="{FF2B5EF4-FFF2-40B4-BE49-F238E27FC236}">
-                <a16:creationId xmlns:a16="http://schemas.microsoft.com/office/drawing/2014/main" id="{1A882A9F-F4E9-4E23-8F0B-20B5DF42EAA9}"/>
-              </a:ext>
-              <a:ext uri="{C183D7F6-B498-43B3-948B-1728B52AA6E4}">
-                <adec:decorative xmlns:adec="http://schemas.microsoft.com/office/drawing/2017/decorative" val="1"/>
-              </a:ext>
-            </a:extLst>
-          </p:cNvPr>
-          <p:cNvSpPr>
-            <a:spLocks noGrp="1" noRot="1" noChangeAspect="1" noMove="1" noResize="1" noEditPoints="1" noAdjustHandles="1" noChangeArrowheads="1" noChangeShapeType="1" noTextEdit="1"/>
-          </p:cNvSpPr>
-          <p:nvPr>
-            <p:extLst>
-              <p:ext uri="{386F3935-93C4-4BCD-93E2-E3B085C9AB24}">
-                <p16:designElem xmlns:p16="http://schemas.microsoft.com/office/powerpoint/2015/main" val="1"/>
-              </p:ext>
-            </p:extLst>
-          </p:nvPr>
-        </p:nvSpPr>
-        <p:spPr>
-          <a:xfrm>
-            <a:off x="9619345" y="4521270"/>
-            <a:ext cx="2115455" cy="1890204"/>
-          </a:xfrm>
-          <a:prstGeom prst="rect">
-            <a:avLst/>
-          </a:prstGeom>
-          <a:solidFill>
-            <a:schemeClr val="accent1">
-              <a:alpha val="95000"/>
-            </a:schemeClr>
-          </a:solidFill>
-          <a:ln w="25400">
-            <a:noFill/>
-          </a:ln>
-        </p:spPr>
-        <p:style>
-          <a:lnRef idx="2">
-            <a:schemeClr val="accent1">
-              <a:shade val="50000"/>
-            </a:schemeClr>
-          </a:lnRef>
-          <a:fillRef idx="1">
-            <a:schemeClr val="accent1"/>
-          </a:fillRef>
-          <a:effectRef idx="0">
-            <a:schemeClr val="accent1"/>
-          </a:effectRef>
-          <a:fontRef idx="minor">
-            <a:schemeClr val="lt1"/>
-          </a:fontRef>
-        </p:style>
-        <p:txBody>
-          <a:bodyPr rtlCol="0" anchor="ctr"/>
-          <a:lstStyle/>
-          <a:p>
-            <a:pPr marL="0" marR="0" lvl="0" indent="0" algn="ctr" defTabSz="914400" rtl="0" eaLnBrk="1" fontAlgn="auto" latinLnBrk="0" hangingPunct="1">
-              <a:lnSpc>
-                <a:spcPct val="100000"/>
-              </a:lnSpc>
-              <a:spcBef>
-                <a:spcPts val="0"/>
-              </a:spcBef>
-              <a:spcAft>
-                <a:spcPts val="0"/>
-              </a:spcAft>
-              <a:buClrTx/>
-              <a:buSzTx/>
-              <a:buFontTx/>
-              <a:buNone/>
-              <a:tabLst/>
-              <a:defRPr/>
-            </a:pPr>
-            <a:endParaRPr kumimoji="0" lang="en-US" sz="1800" b="0" i="0" u="none" strike="noStrike" kern="1200" cap="none" spc="0" normalizeH="0" baseline="0" noProof="0">
-              <a:ln>
-                <a:noFill/>
-              </a:ln>
-              <a:solidFill>
-                <a:srgbClr val="FFFFFF"/>
-              </a:solidFill>
-              <a:effectLst/>
-              <a:uLnTx/>
-              <a:uFillTx/>
-              <a:latin typeface="Calibri" panose="020F0502020204030204"/>
-              <a:ea typeface="+mn-ea"/>
-              <a:cs typeface="+mn-cs"/>
-            </a:endParaRPr>
-          </a:p>
-        </p:txBody>
-      </p:sp>
-      <p:sp>
-        <p:nvSpPr>
-          <p:cNvPr id="18" name="Rectangle 11">
-            <a:extLst>
-              <a:ext uri="{FF2B5EF4-FFF2-40B4-BE49-F238E27FC236}">
-                <a16:creationId xmlns:a16="http://schemas.microsoft.com/office/drawing/2014/main" id="{FBE9F90C-C163-435B-9A68-D15C92D1CF2B}"/>
-              </a:ext>
-              <a:ext uri="{C183D7F6-B498-43B3-948B-1728B52AA6E4}">
-                <adec:decorative xmlns:adec="http://schemas.microsoft.com/office/drawing/2017/decorative" val="1"/>
-              </a:ext>
-            </a:extLst>
-          </p:cNvPr>
-          <p:cNvSpPr>
-            <a:spLocks noGrp="1" noRot="1" noChangeAspect="1" noMove="1" noResize="1" noEditPoints="1" noAdjustHandles="1" noChangeArrowheads="1" noChangeShapeType="1" noTextEdit="1"/>
-          </p:cNvSpPr>
-          <p:nvPr>
-            <p:extLst>
-              <p:ext uri="{386F3935-93C4-4BCD-93E2-E3B085C9AB24}">
-                <p16:designElem xmlns:p16="http://schemas.microsoft.com/office/powerpoint/2015/main" val="1"/>
-              </p:ext>
-            </p:extLst>
-          </p:nvPr>
-        </p:nvSpPr>
-        <p:spPr>
-          <a:xfrm>
-            <a:off x="457200" y="4521269"/>
-            <a:ext cx="6699246" cy="1877811"/>
-          </a:xfrm>
-          <a:prstGeom prst="rect">
-            <a:avLst/>
-          </a:prstGeom>
-          <a:solidFill>
-            <a:srgbClr val="A5A5A5">
-              <a:alpha val="80000"/>
-            </a:srgbClr>
-          </a:solidFill>
-          <a:ln w="25400">
-            <a:noFill/>
-          </a:ln>
-        </p:spPr>
-        <p:style>
-          <a:lnRef idx="2">
-            <a:schemeClr val="accent1">
-              <a:shade val="50000"/>
-            </a:schemeClr>
-          </a:lnRef>
-          <a:fillRef idx="1">
-            <a:schemeClr val="accent1"/>
-          </a:fillRef>
-          <a:effectRef idx="0">
-            <a:schemeClr val="accent1"/>
-          </a:effectRef>
-          <a:fontRef idx="minor">
-            <a:schemeClr val="lt1"/>
-          </a:fontRef>
-        </p:style>
-        <p:txBody>
-          <a:bodyPr rtlCol="0" anchor="ctr"/>
-          <a:lstStyle/>
-          <a:p>
-            <a:pPr marL="0" marR="0" lvl="0" indent="0" algn="ctr" defTabSz="914400" rtl="0" eaLnBrk="1" fontAlgn="auto" latinLnBrk="0" hangingPunct="1">
-              <a:lnSpc>
-                <a:spcPct val="100000"/>
-              </a:lnSpc>
-              <a:spcBef>
-                <a:spcPts val="0"/>
-              </a:spcBef>
-              <a:spcAft>
-                <a:spcPts val="0"/>
-              </a:spcAft>
-              <a:buClrTx/>
-              <a:buSzTx/>
-              <a:buFontTx/>
-              <a:buNone/>
-              <a:tabLst/>
-              <a:defRPr/>
-            </a:pPr>
-            <a:endParaRPr kumimoji="0" lang="en-US" sz="1800" b="0" i="0" u="none" strike="noStrike" kern="1200" cap="none" spc="0" normalizeH="0" baseline="0" noProof="0">
-              <a:ln>
-                <a:noFill/>
-              </a:ln>
-              <a:solidFill>
-                <a:srgbClr val="FFFFFF"/>
-              </a:solidFill>
-              <a:effectLst/>
-              <a:uLnTx/>
-              <a:uFillTx/>
-              <a:latin typeface="Calibri" panose="020F0502020204030204"/>
-              <a:ea typeface="+mn-ea"/>
-              <a:cs typeface="+mn-cs"/>
-            </a:endParaRPr>
-          </a:p>
-        </p:txBody>
-      </p:sp>
-      <p:sp>
-        <p:nvSpPr>
-          <p:cNvPr id="19" name="Rectangle 13">
-            <a:extLst>
-              <a:ext uri="{FF2B5EF4-FFF2-40B4-BE49-F238E27FC236}">
-                <a16:creationId xmlns:a16="http://schemas.microsoft.com/office/drawing/2014/main" id="{CDA1A2E9-63FE-408D-A803-8E306ECAB4B3}"/>
-              </a:ext>
-              <a:ext uri="{C183D7F6-B498-43B3-948B-1728B52AA6E4}">
-                <adec:decorative xmlns:adec="http://schemas.microsoft.com/office/drawing/2017/decorative" val="1"/>
-              </a:ext>
-            </a:extLst>
-          </p:cNvPr>
-          <p:cNvSpPr>
-            <a:spLocks noGrp="1" noRot="1" noChangeAspect="1" noMove="1" noResize="1" noEditPoints="1" noAdjustHandles="1" noChangeArrowheads="1" noChangeShapeType="1" noTextEdit="1"/>
-          </p:cNvSpPr>
-          <p:nvPr>
-            <p:extLst>
-              <p:ext uri="{386F3935-93C4-4BCD-93E2-E3B085C9AB24}">
-                <p16:designElem xmlns:p16="http://schemas.microsoft.com/office/powerpoint/2015/main" val="1"/>
-              </p:ext>
-            </p:extLst>
-          </p:nvPr>
-        </p:nvSpPr>
-        <p:spPr>
-          <a:xfrm>
-            <a:off x="462058" y="450221"/>
-            <a:ext cx="11272742" cy="3918123"/>
-          </a:xfrm>
-          <a:prstGeom prst="rect">
-            <a:avLst/>
-          </a:prstGeom>
-          <a:solidFill>
-            <a:srgbClr val="404040">
-              <a:alpha val="95000"/>
-            </a:srgbClr>
-          </a:solidFill>
-          <a:ln w="25400">
-            <a:noFill/>
-          </a:ln>
-        </p:spPr>
-        <p:style>
-          <a:lnRef idx="2">
-            <a:schemeClr val="accent1">
-              <a:shade val="50000"/>
-            </a:schemeClr>
-          </a:lnRef>
-          <a:fillRef idx="1">
-            <a:schemeClr val="accent1"/>
-          </a:fillRef>
-          <a:effectRef idx="0">
-            <a:schemeClr val="accent1"/>
-          </a:effectRef>
-          <a:fontRef idx="minor">
-            <a:schemeClr val="lt1"/>
-          </a:fontRef>
-        </p:style>
-        <p:txBody>
-          <a:bodyPr rtlCol="0" anchor="ctr"/>
-          <a:lstStyle/>
-          <a:p>
-            <a:pPr marL="0" marR="0" lvl="0" indent="0" algn="ctr" defTabSz="914400" rtl="0" eaLnBrk="1" fontAlgn="auto" latinLnBrk="0" hangingPunct="1">
-              <a:lnSpc>
-                <a:spcPct val="100000"/>
-              </a:lnSpc>
-              <a:spcBef>
-                <a:spcPts val="0"/>
-              </a:spcBef>
-              <a:spcAft>
-                <a:spcPts val="0"/>
-              </a:spcAft>
-              <a:buClrTx/>
-              <a:buSzTx/>
-              <a:buFontTx/>
-              <a:buNone/>
-              <a:tabLst/>
-              <a:defRPr/>
-            </a:pPr>
-            <a:endParaRPr kumimoji="0" lang="en-US" sz="1800" b="0" i="0" u="none" strike="noStrike" kern="1200" cap="none" spc="0" normalizeH="0" baseline="0" noProof="0">
-              <a:ln>
-                <a:noFill/>
-              </a:ln>
-              <a:solidFill>
-                <a:srgbClr val="404040"/>
-              </a:solidFill>
-              <a:effectLst/>
-              <a:uLnTx/>
-              <a:uFillTx/>
-              <a:latin typeface="Calibri" panose="020F0502020204030204"/>
-              <a:ea typeface="+mn-ea"/>
-              <a:cs typeface="+mn-cs"/>
-            </a:endParaRPr>
-          </a:p>
-        </p:txBody>
-      </p:sp>
-      <p:sp>
-        <p:nvSpPr>
-          <p:cNvPr id="2" name="Title 1">
-            <a:extLst>
-              <a:ext uri="{FF2B5EF4-FFF2-40B4-BE49-F238E27FC236}">
-                <a16:creationId xmlns:a16="http://schemas.microsoft.com/office/drawing/2014/main" id="{D0609B61-82D2-41BE-878C-5AA5CB99D844}"/>
-              </a:ext>
-            </a:extLst>
-          </p:cNvPr>
-          <p:cNvSpPr>
-            <a:spLocks noGrp="1"/>
-          </p:cNvSpPr>
-          <p:nvPr>
-            <p:ph type="title"/>
-          </p:nvPr>
-        </p:nvSpPr>
-        <p:spPr>
-          <a:xfrm>
-            <a:off x="1100669" y="1111086"/>
-            <a:ext cx="10011831" cy="2623885"/>
-          </a:xfrm>
-        </p:spPr>
-        <p:txBody>
-          <a:bodyPr vert="horz" lIns="91440" tIns="45720" rIns="91440" bIns="45720" rtlCol="0" anchor="ctr">
-            <a:normAutofit/>
-          </a:bodyPr>
-          <a:lstStyle/>
-          <a:p>
-            <a:r>
-              <a:rPr lang="en-US" kern="1200">
-                <a:solidFill>
-                  <a:srgbClr val="FFFFFF"/>
-                </a:solidFill>
-                <a:latin typeface="+mj-lt"/>
-                <a:ea typeface="+mj-ea"/>
-                <a:cs typeface="+mj-cs"/>
-              </a:rPr>
-              <a:t>Questions?</a:t>
-            </a:r>
-          </a:p>
-        </p:txBody>
-      </p:sp>
-      <p:sp>
-        <p:nvSpPr>
-          <p:cNvPr id="3" name="Text Placeholder 2">
-            <a:extLst>
-              <a:ext uri="{FF2B5EF4-FFF2-40B4-BE49-F238E27FC236}">
-                <a16:creationId xmlns:a16="http://schemas.microsoft.com/office/drawing/2014/main" id="{5313E040-28CB-4E2D-87FE-76D4CD5AA7CB}"/>
-              </a:ext>
-            </a:extLst>
-          </p:cNvPr>
-          <p:cNvSpPr>
-            <a:spLocks noGrp="1"/>
-          </p:cNvSpPr>
-          <p:nvPr>
-            <p:ph type="body" idx="1"/>
-          </p:nvPr>
-        </p:nvSpPr>
-        <p:spPr>
-          <a:xfrm>
-            <a:off x="1079500" y="4843002"/>
-            <a:ext cx="5433479" cy="1234345"/>
-          </a:xfrm>
-        </p:spPr>
-        <p:txBody>
-          <a:bodyPr vert="horz" lIns="91440" tIns="45720" rIns="91440" bIns="45720" rtlCol="0" anchor="ctr">
-            <a:normAutofit/>
-          </a:bodyPr>
-          <a:lstStyle/>
-          <a:p>
-            <a:endParaRPr lang="en-US" sz="2400" kern="1200" dirty="0">
-              <a:solidFill>
-                <a:srgbClr val="1B1B1B"/>
-              </a:solidFill>
-              <a:latin typeface="+mn-lt"/>
-              <a:ea typeface="+mn-ea"/>
-              <a:cs typeface="+mn-cs"/>
-            </a:endParaRPr>
-          </a:p>
-        </p:txBody>
-      </p:sp>
-    </p:spTree>
-    <p:extLst>
-      <p:ext uri="{BB962C8B-B14F-4D97-AF65-F5344CB8AC3E}">
-        <p14:creationId xmlns:p14="http://schemas.microsoft.com/office/powerpoint/2010/main" val="3207482286"/>
       </p:ext>
     </p:extLst>
   </p:cSld>

--- a/content/_template_.pptx
+++ b/content/_template_.pptx
@@ -5,7 +5,7 @@
     <p:sldMasterId id="2147483696" r:id="rId1"/>
   </p:sldMasterIdLst>
   <p:notesMasterIdLst>
-    <p:notesMasterId r:id="rId12"/>
+    <p:notesMasterId r:id="rId13"/>
   </p:notesMasterIdLst>
   <p:sldIdLst>
     <p:sldId id="297" r:id="rId2"/>
@@ -16,8 +16,9 @@
     <p:sldId id="291" r:id="rId7"/>
     <p:sldId id="294" r:id="rId8"/>
     <p:sldId id="292" r:id="rId9"/>
-    <p:sldId id="293" r:id="rId10"/>
-    <p:sldId id="283" r:id="rId11"/>
+    <p:sldId id="300" r:id="rId10"/>
+    <p:sldId id="299" r:id="rId11"/>
+    <p:sldId id="283" r:id="rId12"/>
   </p:sldIdLst>
   <p:sldSz cx="12192000" cy="6858000"/>
   <p:notesSz cx="6858000" cy="9144000"/>
@@ -137,7 +138,8 @@
         <p14:section name="Wrap-Up" id="{250B09FA-E151-4F0D-B4D4-21A2DA6D2F7E}">
           <p14:sldIdLst>
             <p14:sldId id="292"/>
-            <p14:sldId id="293"/>
+            <p14:sldId id="300"/>
+            <p14:sldId id="299"/>
             <p14:sldId id="283"/>
           </p14:sldIdLst>
         </p14:section>
@@ -232,7 +234,7 @@
           <a:p>
             <a:fld id="{7BCB8214-0E7E-4EFC-9E1C-25F6159D4170}" type="datetimeFigureOut">
               <a:rPr lang="en-US" smtClean="0"/>
-              <a:t>8/28/2018</a:t>
+              <a:t>8/29/2018</a:t>
             </a:fld>
             <a:endParaRPr lang="en-US"/>
           </a:p>
@@ -824,7 +826,7 @@
           <a:p>
             <a:fld id="{C8AC65AB-5746-43EA-A59E-648FB11CA309}" type="datetimeFigureOut">
               <a:rPr lang="en-US" smtClean="0"/>
-              <a:t>8/28/2018</a:t>
+              <a:t>8/29/2018</a:t>
             </a:fld>
             <a:endParaRPr lang="en-US"/>
           </a:p>
@@ -994,7 +996,7 @@
           <a:p>
             <a:fld id="{C8AC65AB-5746-43EA-A59E-648FB11CA309}" type="datetimeFigureOut">
               <a:rPr lang="en-US" smtClean="0"/>
-              <a:t>8/28/2018</a:t>
+              <a:t>8/29/2018</a:t>
             </a:fld>
             <a:endParaRPr lang="en-US"/>
           </a:p>
@@ -1174,7 +1176,7 @@
           <a:p>
             <a:fld id="{C8AC65AB-5746-43EA-A59E-648FB11CA309}" type="datetimeFigureOut">
               <a:rPr lang="en-US" smtClean="0"/>
-              <a:t>8/28/2018</a:t>
+              <a:t>8/29/2018</a:t>
             </a:fld>
             <a:endParaRPr lang="en-US"/>
           </a:p>
@@ -1366,7 +1368,7 @@
           <a:p>
             <a:fld id="{C8AC65AB-5746-43EA-A59E-648FB11CA309}" type="datetimeFigureOut">
               <a:rPr lang="en-US" smtClean="0"/>
-              <a:t>8/28/2018</a:t>
+              <a:t>8/29/2018</a:t>
             </a:fld>
             <a:endParaRPr lang="en-US"/>
           </a:p>
@@ -1611,7 +1613,7 @@
           <a:p>
             <a:fld id="{C8AC65AB-5746-43EA-A59E-648FB11CA309}" type="datetimeFigureOut">
               <a:rPr lang="en-US" smtClean="0"/>
-              <a:t>8/28/2018</a:t>
+              <a:t>8/29/2018</a:t>
             </a:fld>
             <a:endParaRPr lang="en-US"/>
           </a:p>
@@ -1848,7 +1850,7 @@
           <a:p>
             <a:fld id="{C8AC65AB-5746-43EA-A59E-648FB11CA309}" type="datetimeFigureOut">
               <a:rPr lang="en-US" smtClean="0"/>
-              <a:t>8/28/2018</a:t>
+              <a:t>8/29/2018</a:t>
             </a:fld>
             <a:endParaRPr lang="en-US"/>
           </a:p>
@@ -2224,7 +2226,7 @@
           <a:p>
             <a:fld id="{C8AC65AB-5746-43EA-A59E-648FB11CA309}" type="datetimeFigureOut">
               <a:rPr lang="en-US" smtClean="0"/>
-              <a:t>8/28/2018</a:t>
+              <a:t>8/29/2018</a:t>
             </a:fld>
             <a:endParaRPr lang="en-US"/>
           </a:p>
@@ -2347,7 +2349,7 @@
           <a:p>
             <a:fld id="{C8AC65AB-5746-43EA-A59E-648FB11CA309}" type="datetimeFigureOut">
               <a:rPr lang="en-US" smtClean="0"/>
-              <a:t>8/28/2018</a:t>
+              <a:t>8/29/2018</a:t>
             </a:fld>
             <a:endParaRPr lang="en-US"/>
           </a:p>
@@ -2442,7 +2444,7 @@
           <a:p>
             <a:fld id="{C8AC65AB-5746-43EA-A59E-648FB11CA309}" type="datetimeFigureOut">
               <a:rPr lang="en-US" smtClean="0"/>
-              <a:t>8/28/2018</a:t>
+              <a:t>8/29/2018</a:t>
             </a:fld>
             <a:endParaRPr lang="en-US"/>
           </a:p>
@@ -2719,7 +2721,7 @@
           <a:p>
             <a:fld id="{C8AC65AB-5746-43EA-A59E-648FB11CA309}" type="datetimeFigureOut">
               <a:rPr lang="en-US" smtClean="0"/>
-              <a:t>8/28/2018</a:t>
+              <a:t>8/29/2018</a:t>
             </a:fld>
             <a:endParaRPr lang="en-US"/>
           </a:p>
@@ -2976,7 +2978,7 @@
           <a:p>
             <a:fld id="{C8AC65AB-5746-43EA-A59E-648FB11CA309}" type="datetimeFigureOut">
               <a:rPr lang="en-US" smtClean="0"/>
-              <a:t>8/28/2018</a:t>
+              <a:t>8/29/2018</a:t>
             </a:fld>
             <a:endParaRPr lang="en-US"/>
           </a:p>
@@ -3189,7 +3191,7 @@
           <a:p>
             <a:fld id="{C8AC65AB-5746-43EA-A59E-648FB11CA309}" type="datetimeFigureOut">
               <a:rPr lang="en-US" smtClean="0"/>
-              <a:t>8/28/2018</a:t>
+              <a:t>8/29/2018</a:t>
             </a:fld>
             <a:endParaRPr lang="en-US"/>
           </a:p>
@@ -3929,6 +3931,219 @@
       </p:grpSpPr>
       <p:pic>
         <p:nvPicPr>
+          <p:cNvPr id="9" name="Graphic 8">
+            <a:extLst>
+              <a:ext uri="{FF2B5EF4-FFF2-40B4-BE49-F238E27FC236}">
+                <a16:creationId xmlns:a16="http://schemas.microsoft.com/office/drawing/2014/main" id="{4372D082-455A-4D13-9AD3-3D3C8E3860B9}"/>
+              </a:ext>
+              <a:ext uri="{C183D7F6-B498-43B3-948B-1728B52AA6E4}">
+                <adec:decorative xmlns="" xmlns:adec="http://schemas.microsoft.com/office/drawing/2017/decorative" val="1"/>
+              </a:ext>
+            </a:extLst>
+          </p:cNvPr>
+          <p:cNvPicPr>
+            <a:picLocks noGrp="1" noRot="1" noChangeAspect="1" noMove="1" noResize="1" noEditPoints="1" noAdjustHandles="1" noChangeArrowheads="1" noChangeShapeType="1" noCrop="1"/>
+          </p:cNvPicPr>
+          <p:nvPr>
+            <p:extLst>
+              <p:ext uri="{386F3935-93C4-4BCD-93E2-E3B085C9AB24}">
+                <p16:designElem xmlns:p16="http://schemas.microsoft.com/office/powerpoint/2015/main" val="1"/>
+              </p:ext>
+            </p:extLst>
+          </p:nvPr>
+        </p:nvPicPr>
+        <p:blipFill>
+          <a:blip r:embed="rId2">
+            <a:alphaModFix amt="15000"/>
+            <a:extLst>
+              <a:ext uri="{28A0092B-C50C-407E-A947-70E740481C1C}">
+                <a14:useLocalDpi xmlns:a14="http://schemas.microsoft.com/office/drawing/2010/main" val="0"/>
+              </a:ext>
+              <a:ext uri="{96DAC541-7B7A-43D3-8B79-37D633B846F1}">
+                <asvg:svgBlip xmlns="" xmlns:asvg="http://schemas.microsoft.com/office/drawing/2016/SVG/main" r:embed="rId3"/>
+              </a:ext>
+            </a:extLst>
+          </a:blip>
+          <a:stretch>
+            <a:fillRect/>
+          </a:stretch>
+        </p:blipFill>
+        <p:spPr>
+          <a:xfrm>
+            <a:off x="6641431" y="816337"/>
+            <a:ext cx="5225327" cy="5225327"/>
+          </a:xfrm>
+          <a:prstGeom prst="rect">
+            <a:avLst/>
+          </a:prstGeom>
+        </p:spPr>
+      </p:pic>
+      <p:pic>
+        <p:nvPicPr>
+          <p:cNvPr id="7" name="Graphic 6">
+            <a:extLst>
+              <a:ext uri="{FF2B5EF4-FFF2-40B4-BE49-F238E27FC236}">
+                <a16:creationId xmlns:a16="http://schemas.microsoft.com/office/drawing/2014/main" id="{C2D9C269-F0E5-4794-A5B4-EA04FD2047C3}"/>
+              </a:ext>
+            </a:extLst>
+          </p:cNvPr>
+          <p:cNvPicPr>
+            <a:picLocks noChangeAspect="1"/>
+          </p:cNvPicPr>
+          <p:nvPr/>
+        </p:nvPicPr>
+        <p:blipFill>
+          <a:blip r:embed="rId2">
+            <a:extLst>
+              <a:ext uri="{28A0092B-C50C-407E-A947-70E740481C1C}">
+                <a14:useLocalDpi xmlns:a14="http://schemas.microsoft.com/office/drawing/2010/main" val="0"/>
+              </a:ext>
+              <a:ext uri="{96DAC541-7B7A-43D3-8B79-37D633B846F1}">
+                <asvg:svgBlip xmlns="" xmlns:asvg="http://schemas.microsoft.com/office/drawing/2016/SVG/main" r:embed="rId3"/>
+              </a:ext>
+            </a:extLst>
+          </a:blip>
+          <a:stretch>
+            <a:fillRect/>
+          </a:stretch>
+        </p:blipFill>
+        <p:spPr>
+          <a:xfrm>
+            <a:off x="838201" y="2743201"/>
+            <a:ext cx="1371600" cy="1371600"/>
+          </a:xfrm>
+          <a:prstGeom prst="rect">
+            <a:avLst/>
+          </a:prstGeom>
+        </p:spPr>
+      </p:pic>
+      <p:sp>
+        <p:nvSpPr>
+          <p:cNvPr id="2" name="Title 1">
+            <a:extLst>
+              <a:ext uri="{FF2B5EF4-FFF2-40B4-BE49-F238E27FC236}">
+                <a16:creationId xmlns:a16="http://schemas.microsoft.com/office/drawing/2014/main" id="{3A72E24B-250D-407C-98D9-47C79A7DB005}"/>
+              </a:ext>
+            </a:extLst>
+          </p:cNvPr>
+          <p:cNvSpPr>
+            <a:spLocks noGrp="1"/>
+          </p:cNvSpPr>
+          <p:nvPr>
+            <p:ph type="title"/>
+          </p:nvPr>
+        </p:nvSpPr>
+        <p:spPr>
+          <a:xfrm>
+            <a:off x="2370667" y="2187743"/>
+            <a:ext cx="5293449" cy="2482515"/>
+          </a:xfrm>
+        </p:spPr>
+        <p:txBody>
+          <a:bodyPr vert="horz" lIns="91440" tIns="45720" rIns="91440" bIns="45720" rtlCol="0" anchor="ctr">
+            <a:normAutofit/>
+          </a:bodyPr>
+          <a:lstStyle/>
+          <a:p>
+            <a:r>
+              <a:rPr lang="en-US" sz="6000" kern="1200">
+                <a:solidFill>
+                  <a:schemeClr val="tx1"/>
+                </a:solidFill>
+                <a:latin typeface="+mj-lt"/>
+                <a:ea typeface="+mj-ea"/>
+                <a:cs typeface="+mj-cs"/>
+              </a:rPr>
+              <a:t>Exit Ticket</a:t>
+            </a:r>
+          </a:p>
+        </p:txBody>
+      </p:sp>
+      <p:sp>
+        <p:nvSpPr>
+          <p:cNvPr id="3" name="Content Placeholder 2">
+            <a:extLst>
+              <a:ext uri="{FF2B5EF4-FFF2-40B4-BE49-F238E27FC236}">
+                <a16:creationId xmlns:a16="http://schemas.microsoft.com/office/drawing/2014/main" id="{47B850F7-2047-4E01-BD80-512565CB5F91}"/>
+              </a:ext>
+            </a:extLst>
+          </p:cNvPr>
+          <p:cNvSpPr>
+            <a:spLocks noGrp="1"/>
+          </p:cNvSpPr>
+          <p:nvPr>
+            <p:ph idx="1"/>
+          </p:nvPr>
+        </p:nvSpPr>
+        <p:spPr>
+          <a:xfrm>
+            <a:off x="2370667" y="4670258"/>
+            <a:ext cx="5293449" cy="1371405"/>
+          </a:xfrm>
+        </p:spPr>
+        <p:txBody>
+          <a:bodyPr vert="horz" lIns="91440" tIns="45720" rIns="91440" bIns="45720" rtlCol="0">
+            <a:normAutofit/>
+          </a:bodyPr>
+          <a:lstStyle/>
+          <a:p>
+            <a:pPr marL="0" indent="0">
+              <a:buNone/>
+            </a:pPr>
+            <a:r>
+              <a:rPr lang="en-US" sz="2400" kern="1200" dirty="0">
+                <a:solidFill>
+                  <a:schemeClr val="tx1"/>
+                </a:solidFill>
+                <a:latin typeface="+mn-lt"/>
+                <a:ea typeface="+mn-ea"/>
+                <a:cs typeface="+mn-cs"/>
+              </a:rPr>
+              <a:t>What was the most confusing thing we covered in this lesson?</a:t>
+            </a:r>
+          </a:p>
+        </p:txBody>
+      </p:sp>
+    </p:spTree>
+    <p:extLst>
+      <p:ext uri="{BB962C8B-B14F-4D97-AF65-F5344CB8AC3E}">
+        <p14:creationId xmlns:p14="http://schemas.microsoft.com/office/powerpoint/2010/main" val="2955921553"/>
+      </p:ext>
+    </p:extLst>
+  </p:cSld>
+  <p:clrMapOvr>
+    <a:masterClrMapping/>
+  </p:clrMapOvr>
+</p:sld>
+</file>
+
+<file path=ppt/slides/slide11.xml><?xml version="1.0" encoding="utf-8"?>
+<p:sld xmlns:a="http://schemas.openxmlformats.org/drawingml/2006/main" xmlns:r="http://schemas.openxmlformats.org/officeDocument/2006/relationships" xmlns:p="http://schemas.openxmlformats.org/presentationml/2006/main">
+  <p:cSld>
+    <p:bg>
+      <p:bgPr>
+        <a:solidFill>
+          <a:schemeClr val="bg1"/>
+        </a:solidFill>
+        <a:effectLst/>
+      </p:bgPr>
+    </p:bg>
+    <p:spTree>
+      <p:nvGrpSpPr>
+        <p:cNvPr id="1" name=""/>
+        <p:cNvGrpSpPr/>
+        <p:nvPr/>
+      </p:nvGrpSpPr>
+      <p:grpSpPr>
+        <a:xfrm>
+          <a:off x="0" y="0"/>
+          <a:ext cx="0" cy="0"/>
+          <a:chOff x="0" y="0"/>
+          <a:chExt cx="0" cy="0"/>
+        </a:xfrm>
+      </p:grpSpPr>
+      <p:pic>
+        <p:nvPicPr>
           <p:cNvPr id="16" name="Graphic 6">
             <a:extLst>
               <a:ext uri="{FF2B5EF4-FFF2-40B4-BE49-F238E27FC236}">
@@ -4796,10 +5011,16 @@
         </p:nvSpPr>
         <p:spPr/>
         <p:txBody>
-          <a:bodyPr/>
-          <a:lstStyle/>
-          <a:p>
-            <a:endParaRPr lang="en-US"/>
+          <a:bodyPr>
+            <a:normAutofit/>
+          </a:bodyPr>
+          <a:lstStyle/>
+          <a:p>
+            <a:r>
+              <a:rPr lang="en-US" sz="3200" smtClean="0"/>
+              <a:t>Lab ?</a:t>
+            </a:r>
+            <a:endParaRPr lang="en-US" sz="3200"/>
           </a:p>
         </p:txBody>
       </p:sp>
@@ -4819,7 +5040,7 @@
         </p:blipFill>
         <p:spPr>
           <a:xfrm>
-            <a:off x="5327349" y="3738731"/>
+            <a:off x="5232015" y="5349875"/>
             <a:ext cx="1727969" cy="1382375"/>
           </a:xfrm>
           <a:prstGeom prst="rect">
@@ -6290,6 +6511,14 @@
 <file path=ppt/slides/slide9.xml><?xml version="1.0" encoding="utf-8"?>
 <p:sld xmlns:a="http://schemas.openxmlformats.org/drawingml/2006/main" xmlns:r="http://schemas.openxmlformats.org/officeDocument/2006/relationships" xmlns:p="http://schemas.openxmlformats.org/presentationml/2006/main">
   <p:cSld>
+    <p:bg>
+      <p:bgPr>
+        <a:solidFill>
+          <a:schemeClr val="bg1"/>
+        </a:solidFill>
+        <a:effectLst/>
+      </p:bgPr>
+    </p:bg>
     <p:spTree>
       <p:nvGrpSpPr>
         <p:cNvPr id="1" name=""/>
@@ -6304,6 +6533,94 @@
           <a:chExt cx="0" cy="0"/>
         </a:xfrm>
       </p:grpSpPr>
+      <p:pic>
+        <p:nvPicPr>
+          <p:cNvPr id="9" name="Graphic 8">
+            <a:extLst>
+              <a:ext uri="{FF2B5EF4-FFF2-40B4-BE49-F238E27FC236}">
+                <a16:creationId xmlns:a16="http://schemas.microsoft.com/office/drawing/2014/main" id="{025E15EC-F3C2-49B3-B38B-7404B833B21C}"/>
+              </a:ext>
+              <a:ext uri="{C183D7F6-B498-43B3-948B-1728B52AA6E4}">
+                <adec:decorative xmlns="" xmlns:adec="http://schemas.microsoft.com/office/drawing/2017/decorative" val="1"/>
+              </a:ext>
+            </a:extLst>
+          </p:cNvPr>
+          <p:cNvPicPr>
+            <a:picLocks noGrp="1" noRot="1" noChangeAspect="1" noMove="1" noResize="1" noEditPoints="1" noAdjustHandles="1" noChangeArrowheads="1" noChangeShapeType="1" noCrop="1"/>
+          </p:cNvPicPr>
+          <p:nvPr>
+            <p:extLst>
+              <p:ext uri="{386F3935-93C4-4BCD-93E2-E3B085C9AB24}">
+                <p16:designElem xmlns:p16="http://schemas.microsoft.com/office/powerpoint/2015/main" val="1"/>
+              </p:ext>
+            </p:extLst>
+          </p:nvPr>
+        </p:nvPicPr>
+        <p:blipFill>
+          <a:blip r:embed="rId2">
+            <a:alphaModFix amt="15000"/>
+            <a:extLst>
+              <a:ext uri="{28A0092B-C50C-407E-A947-70E740481C1C}">
+                <a14:useLocalDpi xmlns:a14="http://schemas.microsoft.com/office/drawing/2010/main" val="0"/>
+              </a:ext>
+              <a:ext uri="{96DAC541-7B7A-43D3-8B79-37D633B846F1}">
+                <asvg:svgBlip xmlns="" xmlns:asvg="http://schemas.microsoft.com/office/drawing/2016/SVG/main" r:embed="rId3"/>
+              </a:ext>
+            </a:extLst>
+          </a:blip>
+          <a:stretch>
+            <a:fillRect/>
+          </a:stretch>
+        </p:blipFill>
+        <p:spPr>
+          <a:xfrm>
+            <a:off x="6641431" y="816337"/>
+            <a:ext cx="5225327" cy="5225327"/>
+          </a:xfrm>
+          <a:prstGeom prst="rect">
+            <a:avLst/>
+          </a:prstGeom>
+        </p:spPr>
+      </p:pic>
+      <p:pic>
+        <p:nvPicPr>
+          <p:cNvPr id="7" name="Graphic 6">
+            <a:extLst>
+              <a:ext uri="{FF2B5EF4-FFF2-40B4-BE49-F238E27FC236}">
+                <a16:creationId xmlns:a16="http://schemas.microsoft.com/office/drawing/2014/main" id="{CC95D478-A923-4EB5-AF9F-E8648FF3409D}"/>
+              </a:ext>
+            </a:extLst>
+          </p:cNvPr>
+          <p:cNvPicPr>
+            <a:picLocks noChangeAspect="1"/>
+          </p:cNvPicPr>
+          <p:nvPr/>
+        </p:nvPicPr>
+        <p:blipFill>
+          <a:blip r:embed="rId2">
+            <a:extLst>
+              <a:ext uri="{28A0092B-C50C-407E-A947-70E740481C1C}">
+                <a14:useLocalDpi xmlns:a14="http://schemas.microsoft.com/office/drawing/2010/main" val="0"/>
+              </a:ext>
+              <a:ext uri="{96DAC541-7B7A-43D3-8B79-37D633B846F1}">
+                <asvg:svgBlip xmlns="" xmlns:asvg="http://schemas.microsoft.com/office/drawing/2016/SVG/main" r:embed="rId3"/>
+              </a:ext>
+            </a:extLst>
+          </a:blip>
+          <a:stretch>
+            <a:fillRect/>
+          </a:stretch>
+        </p:blipFill>
+        <p:spPr>
+          <a:xfrm>
+            <a:off x="838201" y="2743201"/>
+            <a:ext cx="1371600" cy="1371600"/>
+          </a:xfrm>
+          <a:prstGeom prst="rect">
+            <a:avLst/>
+          </a:prstGeom>
+        </p:spPr>
+      </p:pic>
       <p:sp>
         <p:nvSpPr>
           <p:cNvPr id="2" name="Title 1">
@@ -6320,13 +6637,27 @@
             <p:ph type="title"/>
           </p:nvPr>
         </p:nvSpPr>
-        <p:spPr/>
-        <p:txBody>
-          <a:bodyPr/>
-          <a:lstStyle/>
-          <a:p>
-            <a:r>
-              <a:rPr lang="en-US" dirty="0"/>
+        <p:spPr>
+          <a:xfrm>
+            <a:off x="2370667" y="2187743"/>
+            <a:ext cx="5293449" cy="2482515"/>
+          </a:xfrm>
+        </p:spPr>
+        <p:txBody>
+          <a:bodyPr vert="horz" lIns="91440" tIns="45720" rIns="91440" bIns="45720" rtlCol="0" anchor="ctr">
+            <a:normAutofit/>
+          </a:bodyPr>
+          <a:lstStyle/>
+          <a:p>
+            <a:r>
+              <a:rPr lang="en-US" sz="6000" kern="1200" dirty="0">
+                <a:solidFill>
+                  <a:schemeClr val="tx1"/>
+                </a:solidFill>
+                <a:latin typeface="+mj-lt"/>
+                <a:ea typeface="+mj-ea"/>
+                <a:cs typeface="+mj-cs"/>
+              </a:rPr>
               <a:t>Exit Ticket</a:t>
             </a:r>
           </a:p>
@@ -6348,22 +6679,31 @@
             <p:ph idx="1"/>
           </p:nvPr>
         </p:nvSpPr>
-        <p:spPr/>
-        <p:txBody>
-          <a:bodyPr/>
-          <a:lstStyle/>
-          <a:p>
-            <a:r>
-              <a:rPr lang="en-US" dirty="0"/>
-              <a:t>Exit Ticket Question – One thing you learned today, </a:t>
-            </a:r>
-            <a:r>
-              <a:rPr lang="en-US" dirty="0" err="1"/>
-              <a:t>etc</a:t>
-            </a:r>
-            <a:r>
-              <a:rPr lang="en-US" dirty="0"/>
-              <a:t>…</a:t>
+        <p:spPr>
+          <a:xfrm>
+            <a:off x="2370667" y="4670258"/>
+            <a:ext cx="6409776" cy="1371405"/>
+          </a:xfrm>
+        </p:spPr>
+        <p:txBody>
+          <a:bodyPr vert="horz" lIns="91440" tIns="45720" rIns="91440" bIns="45720" rtlCol="0">
+            <a:normAutofit/>
+          </a:bodyPr>
+          <a:lstStyle/>
+          <a:p>
+            <a:pPr marL="0" indent="0">
+              <a:buNone/>
+            </a:pPr>
+            <a:r>
+              <a:rPr lang="en-US" sz="2400" kern="1200" dirty="0">
+                <a:solidFill>
+                  <a:schemeClr val="tx1"/>
+                </a:solidFill>
+                <a:latin typeface="+mn-lt"/>
+                <a:ea typeface="+mn-ea"/>
+                <a:cs typeface="+mn-cs"/>
+              </a:rPr>
+              <a:t>Share one thing you learned today that you didn’t know before class!</a:t>
             </a:r>
           </a:p>
         </p:txBody>
@@ -6371,7 +6711,7 @@
     </p:spTree>
     <p:extLst>
       <p:ext uri="{BB962C8B-B14F-4D97-AF65-F5344CB8AC3E}">
-        <p14:creationId xmlns:p14="http://schemas.microsoft.com/office/powerpoint/2010/main" val="2421930778"/>
+        <p14:creationId xmlns:p14="http://schemas.microsoft.com/office/powerpoint/2010/main" val="3548486517"/>
       </p:ext>
     </p:extLst>
   </p:cSld>

--- a/content/_template_.pptx
+++ b/content/_template_.pptx
@@ -234,7 +234,7 @@
           <a:p>
             <a:fld id="{7BCB8214-0E7E-4EFC-9E1C-25F6159D4170}" type="datetimeFigureOut">
               <a:rPr lang="en-US" smtClean="0"/>
-              <a:t>8/29/2018</a:t>
+              <a:t>8/30/2018</a:t>
             </a:fld>
             <a:endParaRPr lang="en-US"/>
           </a:p>
@@ -826,7 +826,7 @@
           <a:p>
             <a:fld id="{C8AC65AB-5746-43EA-A59E-648FB11CA309}" type="datetimeFigureOut">
               <a:rPr lang="en-US" smtClean="0"/>
-              <a:t>8/29/2018</a:t>
+              <a:t>8/30/2018</a:t>
             </a:fld>
             <a:endParaRPr lang="en-US"/>
           </a:p>
@@ -996,7 +996,7 @@
           <a:p>
             <a:fld id="{C8AC65AB-5746-43EA-A59E-648FB11CA309}" type="datetimeFigureOut">
               <a:rPr lang="en-US" smtClean="0"/>
-              <a:t>8/29/2018</a:t>
+              <a:t>8/30/2018</a:t>
             </a:fld>
             <a:endParaRPr lang="en-US"/>
           </a:p>
@@ -1176,7 +1176,7 @@
           <a:p>
             <a:fld id="{C8AC65AB-5746-43EA-A59E-648FB11CA309}" type="datetimeFigureOut">
               <a:rPr lang="en-US" smtClean="0"/>
-              <a:t>8/29/2018</a:t>
+              <a:t>8/30/2018</a:t>
             </a:fld>
             <a:endParaRPr lang="en-US"/>
           </a:p>
@@ -1368,7 +1368,7 @@
           <a:p>
             <a:fld id="{C8AC65AB-5746-43EA-A59E-648FB11CA309}" type="datetimeFigureOut">
               <a:rPr lang="en-US" smtClean="0"/>
-              <a:t>8/29/2018</a:t>
+              <a:t>8/30/2018</a:t>
             </a:fld>
             <a:endParaRPr lang="en-US"/>
           </a:p>
@@ -1613,7 +1613,7 @@
           <a:p>
             <a:fld id="{C8AC65AB-5746-43EA-A59E-648FB11CA309}" type="datetimeFigureOut">
               <a:rPr lang="en-US" smtClean="0"/>
-              <a:t>8/29/2018</a:t>
+              <a:t>8/30/2018</a:t>
             </a:fld>
             <a:endParaRPr lang="en-US"/>
           </a:p>
@@ -1850,7 +1850,7 @@
           <a:p>
             <a:fld id="{C8AC65AB-5746-43EA-A59E-648FB11CA309}" type="datetimeFigureOut">
               <a:rPr lang="en-US" smtClean="0"/>
-              <a:t>8/29/2018</a:t>
+              <a:t>8/30/2018</a:t>
             </a:fld>
             <a:endParaRPr lang="en-US"/>
           </a:p>
@@ -2226,7 +2226,7 @@
           <a:p>
             <a:fld id="{C8AC65AB-5746-43EA-A59E-648FB11CA309}" type="datetimeFigureOut">
               <a:rPr lang="en-US" smtClean="0"/>
-              <a:t>8/29/2018</a:t>
+              <a:t>8/30/2018</a:t>
             </a:fld>
             <a:endParaRPr lang="en-US"/>
           </a:p>
@@ -2349,7 +2349,7 @@
           <a:p>
             <a:fld id="{C8AC65AB-5746-43EA-A59E-648FB11CA309}" type="datetimeFigureOut">
               <a:rPr lang="en-US" smtClean="0"/>
-              <a:t>8/29/2018</a:t>
+              <a:t>8/30/2018</a:t>
             </a:fld>
             <a:endParaRPr lang="en-US"/>
           </a:p>
@@ -2444,7 +2444,7 @@
           <a:p>
             <a:fld id="{C8AC65AB-5746-43EA-A59E-648FB11CA309}" type="datetimeFigureOut">
               <a:rPr lang="en-US" smtClean="0"/>
-              <a:t>8/29/2018</a:t>
+              <a:t>8/30/2018</a:t>
             </a:fld>
             <a:endParaRPr lang="en-US"/>
           </a:p>
@@ -2721,7 +2721,7 @@
           <a:p>
             <a:fld id="{C8AC65AB-5746-43EA-A59E-648FB11CA309}" type="datetimeFigureOut">
               <a:rPr lang="en-US" smtClean="0"/>
-              <a:t>8/29/2018</a:t>
+              <a:t>8/30/2018</a:t>
             </a:fld>
             <a:endParaRPr lang="en-US"/>
           </a:p>
@@ -2978,7 +2978,7 @@
           <a:p>
             <a:fld id="{C8AC65AB-5746-43EA-A59E-648FB11CA309}" type="datetimeFigureOut">
               <a:rPr lang="en-US" smtClean="0"/>
-              <a:t>8/29/2018</a:t>
+              <a:t>8/30/2018</a:t>
             </a:fld>
             <a:endParaRPr lang="en-US"/>
           </a:p>
@@ -3191,7 +3191,7 @@
           <a:p>
             <a:fld id="{C8AC65AB-5746-43EA-A59E-648FB11CA309}" type="datetimeFigureOut">
               <a:rPr lang="en-US" smtClean="0"/>
-              <a:t>8/29/2018</a:t>
+              <a:t>8/30/2018</a:t>
             </a:fld>
             <a:endParaRPr lang="en-US"/>
           </a:p>
@@ -3612,7 +3612,7 @@
                 <a16:creationId xmlns:a16="http://schemas.microsoft.com/office/drawing/2014/main" id="{6753252F-4873-4F63-801D-CC719279A7D5}"/>
               </a:ext>
               <a:ext uri="{C183D7F6-B498-43B3-948B-1728B52AA6E4}">
-                <adec:decorative xmlns:adec="http://schemas.microsoft.com/office/drawing/2017/decorative" xmlns="" val="1"/>
+                <adec:decorative xmlns="" xmlns:adec="http://schemas.microsoft.com/office/drawing/2017/decorative" val="1"/>
               </a:ext>
             </a:extLst>
           </p:cNvPr>
@@ -3704,7 +3704,7 @@
                 <a16:creationId xmlns:a16="http://schemas.microsoft.com/office/drawing/2014/main" id="{047C8CCB-F95D-4249-92DD-651249D3535A}"/>
               </a:ext>
               <a:ext uri="{C183D7F6-B498-43B3-948B-1728B52AA6E4}">
-                <adec:decorative xmlns:adec="http://schemas.microsoft.com/office/drawing/2017/decorative" xmlns="" val="1"/>
+                <adec:decorative xmlns="" xmlns:adec="http://schemas.microsoft.com/office/drawing/2017/decorative" val="1"/>
               </a:ext>
             </a:extLst>
           </p:cNvPr>
@@ -3937,7 +3937,7 @@
                 <a16:creationId xmlns:a16="http://schemas.microsoft.com/office/drawing/2014/main" id="{4372D082-455A-4D13-9AD3-3D3C8E3860B9}"/>
               </a:ext>
               <a:ext uri="{C183D7F6-B498-43B3-948B-1728B52AA6E4}">
-                <adec:decorative xmlns="" xmlns:adec="http://schemas.microsoft.com/office/drawing/2017/decorative" val="1"/>
+                <adec:decorative xmlns:adec="http://schemas.microsoft.com/office/drawing/2017/decorative" xmlns="" val="1"/>
               </a:ext>
             </a:extLst>
           </p:cNvPr>
@@ -3960,7 +3960,7 @@
                 <a14:useLocalDpi xmlns:a14="http://schemas.microsoft.com/office/drawing/2010/main" val="0"/>
               </a:ext>
               <a:ext uri="{96DAC541-7B7A-43D3-8B79-37D633B846F1}">
-                <asvg:svgBlip xmlns="" xmlns:asvg="http://schemas.microsoft.com/office/drawing/2016/SVG/main" r:embed="rId3"/>
+                <asvg:svgBlip xmlns:asvg="http://schemas.microsoft.com/office/drawing/2016/SVG/main" xmlns="" r:embed="rId3"/>
               </a:ext>
             </a:extLst>
           </a:blip>
@@ -3999,7 +3999,7 @@
                 <a14:useLocalDpi xmlns:a14="http://schemas.microsoft.com/office/drawing/2010/main" val="0"/>
               </a:ext>
               <a:ext uri="{96DAC541-7B7A-43D3-8B79-37D633B846F1}">
-                <asvg:svgBlip xmlns="" xmlns:asvg="http://schemas.microsoft.com/office/drawing/2016/SVG/main" r:embed="rId3"/>
+                <asvg:svgBlip xmlns:asvg="http://schemas.microsoft.com/office/drawing/2016/SVG/main" xmlns="" r:embed="rId3"/>
               </a:ext>
             </a:extLst>
           </a:blip>
@@ -4163,7 +4163,7 @@
                 <a14:useLocalDpi xmlns:a14="http://schemas.microsoft.com/office/drawing/2010/main" val="0"/>
               </a:ext>
               <a:ext uri="{96DAC541-7B7A-43D3-8B79-37D633B846F1}">
-                <asvg:svgBlip xmlns:asvg="http://schemas.microsoft.com/office/drawing/2016/SVG/main" xmlns="" r:embed="rId3"/>
+                <asvg:svgBlip xmlns="" xmlns:asvg="http://schemas.microsoft.com/office/drawing/2016/SVG/main" r:embed="rId3"/>
               </a:ext>
             </a:extLst>
           </a:blip>
@@ -4189,7 +4189,7 @@
                 <a16:creationId xmlns:a16="http://schemas.microsoft.com/office/drawing/2014/main" id="{1A882A9F-F4E9-4E23-8F0B-20B5DF42EAA9}"/>
               </a:ext>
               <a:ext uri="{C183D7F6-B498-43B3-948B-1728B52AA6E4}">
-                <adec:decorative xmlns:adec="http://schemas.microsoft.com/office/drawing/2017/decorative" xmlns="" val="1"/>
+                <adec:decorative xmlns="" xmlns:adec="http://schemas.microsoft.com/office/drawing/2017/decorative" val="1"/>
               </a:ext>
             </a:extLst>
           </p:cNvPr>
@@ -4283,7 +4283,7 @@
                 <a16:creationId xmlns:a16="http://schemas.microsoft.com/office/drawing/2014/main" id="{FBE9F90C-C163-435B-9A68-D15C92D1CF2B}"/>
               </a:ext>
               <a:ext uri="{C183D7F6-B498-43B3-948B-1728B52AA6E4}">
-                <adec:decorative xmlns:adec="http://schemas.microsoft.com/office/drawing/2017/decorative" xmlns="" val="1"/>
+                <adec:decorative xmlns="" xmlns:adec="http://schemas.microsoft.com/office/drawing/2017/decorative" val="1"/>
               </a:ext>
             </a:extLst>
           </p:cNvPr>
@@ -4377,7 +4377,7 @@
                 <a16:creationId xmlns:a16="http://schemas.microsoft.com/office/drawing/2014/main" id="{CDA1A2E9-63FE-408D-A803-8E306ECAB4B3}"/>
               </a:ext>
               <a:ext uri="{C183D7F6-B498-43B3-948B-1728B52AA6E4}">
-                <adec:decorative xmlns:adec="http://schemas.microsoft.com/office/drawing/2017/decorative" xmlns="" val="1"/>
+                <adec:decorative xmlns="" xmlns:adec="http://schemas.microsoft.com/office/drawing/2017/decorative" val="1"/>
               </a:ext>
             </a:extLst>
           </p:cNvPr>
@@ -4603,7 +4603,7 @@
                 <a14:useLocalDpi xmlns:a14="http://schemas.microsoft.com/office/drawing/2010/main" val="0"/>
               </a:ext>
               <a:ext uri="{96DAC541-7B7A-43D3-8B79-37D633B846F1}">
-                <asvg:svgBlip xmlns:asvg="http://schemas.microsoft.com/office/drawing/2016/SVG/main" xmlns="" r:embed="rId3"/>
+                <asvg:svgBlip xmlns="" xmlns:asvg="http://schemas.microsoft.com/office/drawing/2016/SVG/main" r:embed="rId3"/>
               </a:ext>
             </a:extLst>
           </a:blip>
@@ -4697,27 +4697,10 @@
           </a:p>
           <a:p>
             <a:r>
-              <a:rPr lang="en-US" dirty="0"/>
-              <a:t>Activity</a:t>
-            </a:r>
-          </a:p>
-          <a:p>
-            <a:r>
-              <a:rPr lang="en-US" dirty="0"/>
-              <a:t>Summary</a:t>
-            </a:r>
-          </a:p>
-          <a:p>
-            <a:r>
-              <a:rPr lang="en-US" dirty="0"/>
-              <a:t>Homework</a:t>
-            </a:r>
-          </a:p>
-          <a:p>
-            <a:r>
-              <a:rPr lang="en-US" dirty="0"/>
-              <a:t>Question</a:t>
-            </a:r>
+              <a:rPr lang="en-US" smtClean="0"/>
+              <a:t>Wrap-Up</a:t>
+            </a:r>
+            <a:endParaRPr lang="en-US" dirty="0"/>
           </a:p>
         </p:txBody>
       </p:sp>
@@ -4767,7 +4750,7 @@
                 <a16:creationId xmlns:a16="http://schemas.microsoft.com/office/drawing/2014/main" id="{F98ED85F-DCEE-4B50-802E-71A6E3E12B04}"/>
               </a:ext>
               <a:ext uri="{C183D7F6-B498-43B3-948B-1728B52AA6E4}">
-                <adec:decorative xmlns:adec="http://schemas.microsoft.com/office/drawing/2017/decorative" xmlns="" val="1"/>
+                <adec:decorative xmlns="" xmlns:adec="http://schemas.microsoft.com/office/drawing/2017/decorative" val="1"/>
               </a:ext>
             </a:extLst>
           </p:cNvPr>
@@ -5202,7 +5185,7 @@
                 <a16:creationId xmlns:a16="http://schemas.microsoft.com/office/drawing/2014/main" id="{C66F2F30-5DC0-44A0-BFA6-E12F46ED16DA}"/>
               </a:ext>
               <a:ext uri="{C183D7F6-B498-43B3-948B-1728B52AA6E4}">
-                <adec:decorative xmlns:adec="http://schemas.microsoft.com/office/drawing/2017/decorative" xmlns="" val="1"/>
+                <adec:decorative xmlns="" xmlns:adec="http://schemas.microsoft.com/office/drawing/2017/decorative" val="1"/>
               </a:ext>
             </a:extLst>
           </p:cNvPr>
@@ -5326,7 +5309,7 @@
                 <a16:creationId xmlns:a16="http://schemas.microsoft.com/office/drawing/2014/main" id="{85872F57-7F42-4F97-8391-DDC8D0054C03}"/>
               </a:ext>
               <a:ext uri="{C183D7F6-B498-43B3-948B-1728B52AA6E4}">
-                <adec:decorative xmlns:adec="http://schemas.microsoft.com/office/drawing/2017/decorative" xmlns="" val="1"/>
+                <adec:decorative xmlns="" xmlns:adec="http://schemas.microsoft.com/office/drawing/2017/decorative" val="1"/>
               </a:ext>
             </a:extLst>
           </p:cNvPr>
@@ -5482,7 +5465,7 @@
                 <a16:creationId xmlns:a16="http://schemas.microsoft.com/office/drawing/2014/main" id="{04DC2037-48A0-4F22-B9D4-8EAEBC780AB4}"/>
               </a:ext>
               <a:ext uri="{C183D7F6-B498-43B3-948B-1728B52AA6E4}">
-                <adec:decorative xmlns:adec="http://schemas.microsoft.com/office/drawing/2017/decorative" xmlns="" val="1"/>
+                <adec:decorative xmlns="" xmlns:adec="http://schemas.microsoft.com/office/drawing/2017/decorative" val="1"/>
               </a:ext>
             </a:extLst>
           </p:cNvPr>
@@ -5587,7 +5570,7 @@
                 <a16:creationId xmlns:a16="http://schemas.microsoft.com/office/drawing/2014/main" id="{0006CBFD-ADA0-43D1-9332-9C34CA1C76ED}"/>
               </a:ext>
               <a:ext uri="{C183D7F6-B498-43B3-948B-1728B52AA6E4}">
-                <adec:decorative xmlns:adec="http://schemas.microsoft.com/office/drawing/2017/decorative" xmlns="" val="1"/>
+                <adec:decorative xmlns="" xmlns:adec="http://schemas.microsoft.com/office/drawing/2017/decorative" val="1"/>
               </a:ext>
             </a:extLst>
           </p:cNvPr>
@@ -5695,7 +5678,7 @@
                 <a16:creationId xmlns:a16="http://schemas.microsoft.com/office/drawing/2014/main" id="{2B931666-F28F-45F3-A074-66D2272D580B}"/>
               </a:ext>
               <a:ext uri="{C183D7F6-B498-43B3-948B-1728B52AA6E4}">
-                <adec:decorative xmlns:adec="http://schemas.microsoft.com/office/drawing/2017/decorative" xmlns="" val="1"/>
+                <adec:decorative xmlns="" xmlns:adec="http://schemas.microsoft.com/office/drawing/2017/decorative" val="1"/>
               </a:ext>
             </a:extLst>
           </p:cNvPr>
@@ -6062,7 +6045,7 @@
                 <a14:useLocalDpi xmlns:a14="http://schemas.microsoft.com/office/drawing/2010/main" val="0"/>
               </a:ext>
               <a:ext uri="{96DAC541-7B7A-43D3-8B79-37D633B846F1}">
-                <asvg:svgBlip xmlns:asvg="http://schemas.microsoft.com/office/drawing/2016/SVG/main" xmlns="" r:embed="rId4"/>
+                <asvg:svgBlip xmlns="" xmlns:asvg="http://schemas.microsoft.com/office/drawing/2016/SVG/main" r:embed="rId4"/>
               </a:ext>
             </a:extLst>
           </a:blip>
@@ -6088,7 +6071,7 @@
                 <a16:creationId xmlns:a16="http://schemas.microsoft.com/office/drawing/2014/main" id="{1A882A9F-F4E9-4E23-8F0B-20B5DF42EAA9}"/>
               </a:ext>
               <a:ext uri="{C183D7F6-B498-43B3-948B-1728B52AA6E4}">
-                <adec:decorative xmlns:adec="http://schemas.microsoft.com/office/drawing/2017/decorative" xmlns="" val="1"/>
+                <adec:decorative xmlns="" xmlns:adec="http://schemas.microsoft.com/office/drawing/2017/decorative" val="1"/>
               </a:ext>
             </a:extLst>
           </p:cNvPr>
@@ -6182,7 +6165,7 @@
                 <a16:creationId xmlns:a16="http://schemas.microsoft.com/office/drawing/2014/main" id="{FBE9F90C-C163-435B-9A68-D15C92D1CF2B}"/>
               </a:ext>
               <a:ext uri="{C183D7F6-B498-43B3-948B-1728B52AA6E4}">
-                <adec:decorative xmlns:adec="http://schemas.microsoft.com/office/drawing/2017/decorative" xmlns="" val="1"/>
+                <adec:decorative xmlns="" xmlns:adec="http://schemas.microsoft.com/office/drawing/2017/decorative" val="1"/>
               </a:ext>
             </a:extLst>
           </p:cNvPr>
@@ -6276,7 +6259,7 @@
                 <a16:creationId xmlns:a16="http://schemas.microsoft.com/office/drawing/2014/main" id="{CDA1A2E9-63FE-408D-A803-8E306ECAB4B3}"/>
               </a:ext>
               <a:ext uri="{C183D7F6-B498-43B3-948B-1728B52AA6E4}">
-                <adec:decorative xmlns:adec="http://schemas.microsoft.com/office/drawing/2017/decorative" xmlns="" val="1"/>
+                <adec:decorative xmlns="" xmlns:adec="http://schemas.microsoft.com/office/drawing/2017/decorative" val="1"/>
               </a:ext>
             </a:extLst>
           </p:cNvPr>
@@ -6541,7 +6524,7 @@
                 <a16:creationId xmlns:a16="http://schemas.microsoft.com/office/drawing/2014/main" id="{025E15EC-F3C2-49B3-B38B-7404B833B21C}"/>
               </a:ext>
               <a:ext uri="{C183D7F6-B498-43B3-948B-1728B52AA6E4}">
-                <adec:decorative xmlns="" xmlns:adec="http://schemas.microsoft.com/office/drawing/2017/decorative" val="1"/>
+                <adec:decorative xmlns:adec="http://schemas.microsoft.com/office/drawing/2017/decorative" xmlns="" val="1"/>
               </a:ext>
             </a:extLst>
           </p:cNvPr>
@@ -6564,7 +6547,7 @@
                 <a14:useLocalDpi xmlns:a14="http://schemas.microsoft.com/office/drawing/2010/main" val="0"/>
               </a:ext>
               <a:ext uri="{96DAC541-7B7A-43D3-8B79-37D633B846F1}">
-                <asvg:svgBlip xmlns="" xmlns:asvg="http://schemas.microsoft.com/office/drawing/2016/SVG/main" r:embed="rId3"/>
+                <asvg:svgBlip xmlns:asvg="http://schemas.microsoft.com/office/drawing/2016/SVG/main" xmlns="" r:embed="rId3"/>
               </a:ext>
             </a:extLst>
           </a:blip>
@@ -6603,7 +6586,7 @@
                 <a14:useLocalDpi xmlns:a14="http://schemas.microsoft.com/office/drawing/2010/main" val="0"/>
               </a:ext>
               <a:ext uri="{96DAC541-7B7A-43D3-8B79-37D633B846F1}">
-                <asvg:svgBlip xmlns="" xmlns:asvg="http://schemas.microsoft.com/office/drawing/2016/SVG/main" r:embed="rId3"/>
+                <asvg:svgBlip xmlns:asvg="http://schemas.microsoft.com/office/drawing/2016/SVG/main" xmlns="" r:embed="rId3"/>
               </a:ext>
             </a:extLst>
           </a:blip>

--- a/content/_template_.pptx
+++ b/content/_template_.pptx
@@ -5,7 +5,7 @@
     <p:sldMasterId id="2147483696" r:id="rId1"/>
   </p:sldMasterIdLst>
   <p:notesMasterIdLst>
-    <p:notesMasterId r:id="rId13"/>
+    <p:notesMasterId r:id="rId12"/>
   </p:notesMasterIdLst>
   <p:sldIdLst>
     <p:sldId id="297" r:id="rId2"/>
@@ -16,9 +16,8 @@
     <p:sldId id="291" r:id="rId7"/>
     <p:sldId id="294" r:id="rId8"/>
     <p:sldId id="292" r:id="rId9"/>
-    <p:sldId id="300" r:id="rId10"/>
-    <p:sldId id="299" r:id="rId11"/>
-    <p:sldId id="283" r:id="rId12"/>
+    <p:sldId id="301" r:id="rId10"/>
+    <p:sldId id="283" r:id="rId11"/>
   </p:sldIdLst>
   <p:sldSz cx="12192000" cy="6858000"/>
   <p:notesSz cx="6858000" cy="9144000"/>
@@ -138,8 +137,7 @@
         <p14:section name="Wrap-Up" id="{250B09FA-E151-4F0D-B4D4-21A2DA6D2F7E}">
           <p14:sldIdLst>
             <p14:sldId id="292"/>
-            <p14:sldId id="300"/>
-            <p14:sldId id="299"/>
+            <p14:sldId id="301"/>
             <p14:sldId id="283"/>
           </p14:sldIdLst>
         </p14:section>
@@ -234,7 +232,7 @@
           <a:p>
             <a:fld id="{7BCB8214-0E7E-4EFC-9E1C-25F6159D4170}" type="datetimeFigureOut">
               <a:rPr lang="en-US" smtClean="0"/>
-              <a:t>8/30/2018</a:t>
+              <a:t>9/16/2018</a:t>
             </a:fld>
             <a:endParaRPr lang="en-US"/>
           </a:p>
@@ -826,7 +824,7 @@
           <a:p>
             <a:fld id="{C8AC65AB-5746-43EA-A59E-648FB11CA309}" type="datetimeFigureOut">
               <a:rPr lang="en-US" smtClean="0"/>
-              <a:t>8/30/2018</a:t>
+              <a:t>9/16/2018</a:t>
             </a:fld>
             <a:endParaRPr lang="en-US"/>
           </a:p>
@@ -996,7 +994,7 @@
           <a:p>
             <a:fld id="{C8AC65AB-5746-43EA-A59E-648FB11CA309}" type="datetimeFigureOut">
               <a:rPr lang="en-US" smtClean="0"/>
-              <a:t>8/30/2018</a:t>
+              <a:t>9/16/2018</a:t>
             </a:fld>
             <a:endParaRPr lang="en-US"/>
           </a:p>
@@ -1176,7 +1174,7 @@
           <a:p>
             <a:fld id="{C8AC65AB-5746-43EA-A59E-648FB11CA309}" type="datetimeFigureOut">
               <a:rPr lang="en-US" smtClean="0"/>
-              <a:t>8/30/2018</a:t>
+              <a:t>9/16/2018</a:t>
             </a:fld>
             <a:endParaRPr lang="en-US"/>
           </a:p>
@@ -1368,7 +1366,7 @@
           <a:p>
             <a:fld id="{C8AC65AB-5746-43EA-A59E-648FB11CA309}" type="datetimeFigureOut">
               <a:rPr lang="en-US" smtClean="0"/>
-              <a:t>8/30/2018</a:t>
+              <a:t>9/16/2018</a:t>
             </a:fld>
             <a:endParaRPr lang="en-US"/>
           </a:p>
@@ -1613,7 +1611,7 @@
           <a:p>
             <a:fld id="{C8AC65AB-5746-43EA-A59E-648FB11CA309}" type="datetimeFigureOut">
               <a:rPr lang="en-US" smtClean="0"/>
-              <a:t>8/30/2018</a:t>
+              <a:t>9/16/2018</a:t>
             </a:fld>
             <a:endParaRPr lang="en-US"/>
           </a:p>
@@ -1850,7 +1848,7 @@
           <a:p>
             <a:fld id="{C8AC65AB-5746-43EA-A59E-648FB11CA309}" type="datetimeFigureOut">
               <a:rPr lang="en-US" smtClean="0"/>
-              <a:t>8/30/2018</a:t>
+              <a:t>9/16/2018</a:t>
             </a:fld>
             <a:endParaRPr lang="en-US"/>
           </a:p>
@@ -2226,7 +2224,7 @@
           <a:p>
             <a:fld id="{C8AC65AB-5746-43EA-A59E-648FB11CA309}" type="datetimeFigureOut">
               <a:rPr lang="en-US" smtClean="0"/>
-              <a:t>8/30/2018</a:t>
+              <a:t>9/16/2018</a:t>
             </a:fld>
             <a:endParaRPr lang="en-US"/>
           </a:p>
@@ -2349,7 +2347,7 @@
           <a:p>
             <a:fld id="{C8AC65AB-5746-43EA-A59E-648FB11CA309}" type="datetimeFigureOut">
               <a:rPr lang="en-US" smtClean="0"/>
-              <a:t>8/30/2018</a:t>
+              <a:t>9/16/2018</a:t>
             </a:fld>
             <a:endParaRPr lang="en-US"/>
           </a:p>
@@ -2444,7 +2442,7 @@
           <a:p>
             <a:fld id="{C8AC65AB-5746-43EA-A59E-648FB11CA309}" type="datetimeFigureOut">
               <a:rPr lang="en-US" smtClean="0"/>
-              <a:t>8/30/2018</a:t>
+              <a:t>9/16/2018</a:t>
             </a:fld>
             <a:endParaRPr lang="en-US"/>
           </a:p>
@@ -2721,7 +2719,7 @@
           <a:p>
             <a:fld id="{C8AC65AB-5746-43EA-A59E-648FB11CA309}" type="datetimeFigureOut">
               <a:rPr lang="en-US" smtClean="0"/>
-              <a:t>8/30/2018</a:t>
+              <a:t>9/16/2018</a:t>
             </a:fld>
             <a:endParaRPr lang="en-US"/>
           </a:p>
@@ -2978,7 +2976,7 @@
           <a:p>
             <a:fld id="{C8AC65AB-5746-43EA-A59E-648FB11CA309}" type="datetimeFigureOut">
               <a:rPr lang="en-US" smtClean="0"/>
-              <a:t>8/30/2018</a:t>
+              <a:t>9/16/2018</a:t>
             </a:fld>
             <a:endParaRPr lang="en-US"/>
           </a:p>
@@ -3191,7 +3189,7 @@
           <a:p>
             <a:fld id="{C8AC65AB-5746-43EA-A59E-648FB11CA309}" type="datetimeFigureOut">
               <a:rPr lang="en-US" smtClean="0"/>
-              <a:t>8/30/2018</a:t>
+              <a:t>9/16/2018</a:t>
             </a:fld>
             <a:endParaRPr lang="en-US"/>
           </a:p>
@@ -3612,7 +3610,7 @@
                 <a16:creationId xmlns:a16="http://schemas.microsoft.com/office/drawing/2014/main" id="{6753252F-4873-4F63-801D-CC719279A7D5}"/>
               </a:ext>
               <a:ext uri="{C183D7F6-B498-43B3-948B-1728B52AA6E4}">
-                <adec:decorative xmlns="" xmlns:adec="http://schemas.microsoft.com/office/drawing/2017/decorative" val="1"/>
+                <adec:decorative xmlns:adec="http://schemas.microsoft.com/office/drawing/2017/decorative" val="1"/>
               </a:ext>
             </a:extLst>
           </p:cNvPr>
@@ -3704,7 +3702,7 @@
                 <a16:creationId xmlns:a16="http://schemas.microsoft.com/office/drawing/2014/main" id="{047C8CCB-F95D-4249-92DD-651249D3535A}"/>
               </a:ext>
               <a:ext uri="{C183D7F6-B498-43B3-948B-1728B52AA6E4}">
-                <adec:decorative xmlns="" xmlns:adec="http://schemas.microsoft.com/office/drawing/2017/decorative" val="1"/>
+                <adec:decorative xmlns:adec="http://schemas.microsoft.com/office/drawing/2017/decorative" val="1"/>
               </a:ext>
             </a:extLst>
           </p:cNvPr>
@@ -3905,219 +3903,6 @@
 </file>
 
 <file path=ppt/slides/slide10.xml><?xml version="1.0" encoding="utf-8"?>
-<p:sld xmlns:a="http://schemas.openxmlformats.org/drawingml/2006/main" xmlns:r="http://schemas.openxmlformats.org/officeDocument/2006/relationships" xmlns:p="http://schemas.openxmlformats.org/presentationml/2006/main">
-  <p:cSld>
-    <p:bg>
-      <p:bgPr>
-        <a:solidFill>
-          <a:schemeClr val="bg1"/>
-        </a:solidFill>
-        <a:effectLst/>
-      </p:bgPr>
-    </p:bg>
-    <p:spTree>
-      <p:nvGrpSpPr>
-        <p:cNvPr id="1" name=""/>
-        <p:cNvGrpSpPr/>
-        <p:nvPr/>
-      </p:nvGrpSpPr>
-      <p:grpSpPr>
-        <a:xfrm>
-          <a:off x="0" y="0"/>
-          <a:ext cx="0" cy="0"/>
-          <a:chOff x="0" y="0"/>
-          <a:chExt cx="0" cy="0"/>
-        </a:xfrm>
-      </p:grpSpPr>
-      <p:pic>
-        <p:nvPicPr>
-          <p:cNvPr id="9" name="Graphic 8">
-            <a:extLst>
-              <a:ext uri="{FF2B5EF4-FFF2-40B4-BE49-F238E27FC236}">
-                <a16:creationId xmlns:a16="http://schemas.microsoft.com/office/drawing/2014/main" id="{4372D082-455A-4D13-9AD3-3D3C8E3860B9}"/>
-              </a:ext>
-              <a:ext uri="{C183D7F6-B498-43B3-948B-1728B52AA6E4}">
-                <adec:decorative xmlns:adec="http://schemas.microsoft.com/office/drawing/2017/decorative" xmlns="" val="1"/>
-              </a:ext>
-            </a:extLst>
-          </p:cNvPr>
-          <p:cNvPicPr>
-            <a:picLocks noGrp="1" noRot="1" noChangeAspect="1" noMove="1" noResize="1" noEditPoints="1" noAdjustHandles="1" noChangeArrowheads="1" noChangeShapeType="1" noCrop="1"/>
-          </p:cNvPicPr>
-          <p:nvPr>
-            <p:extLst>
-              <p:ext uri="{386F3935-93C4-4BCD-93E2-E3B085C9AB24}">
-                <p16:designElem xmlns:p16="http://schemas.microsoft.com/office/powerpoint/2015/main" val="1"/>
-              </p:ext>
-            </p:extLst>
-          </p:nvPr>
-        </p:nvPicPr>
-        <p:blipFill>
-          <a:blip r:embed="rId2">
-            <a:alphaModFix amt="15000"/>
-            <a:extLst>
-              <a:ext uri="{28A0092B-C50C-407E-A947-70E740481C1C}">
-                <a14:useLocalDpi xmlns:a14="http://schemas.microsoft.com/office/drawing/2010/main" val="0"/>
-              </a:ext>
-              <a:ext uri="{96DAC541-7B7A-43D3-8B79-37D633B846F1}">
-                <asvg:svgBlip xmlns:asvg="http://schemas.microsoft.com/office/drawing/2016/SVG/main" xmlns="" r:embed="rId3"/>
-              </a:ext>
-            </a:extLst>
-          </a:blip>
-          <a:stretch>
-            <a:fillRect/>
-          </a:stretch>
-        </p:blipFill>
-        <p:spPr>
-          <a:xfrm>
-            <a:off x="6641431" y="816337"/>
-            <a:ext cx="5225327" cy="5225327"/>
-          </a:xfrm>
-          <a:prstGeom prst="rect">
-            <a:avLst/>
-          </a:prstGeom>
-        </p:spPr>
-      </p:pic>
-      <p:pic>
-        <p:nvPicPr>
-          <p:cNvPr id="7" name="Graphic 6">
-            <a:extLst>
-              <a:ext uri="{FF2B5EF4-FFF2-40B4-BE49-F238E27FC236}">
-                <a16:creationId xmlns:a16="http://schemas.microsoft.com/office/drawing/2014/main" id="{C2D9C269-F0E5-4794-A5B4-EA04FD2047C3}"/>
-              </a:ext>
-            </a:extLst>
-          </p:cNvPr>
-          <p:cNvPicPr>
-            <a:picLocks noChangeAspect="1"/>
-          </p:cNvPicPr>
-          <p:nvPr/>
-        </p:nvPicPr>
-        <p:blipFill>
-          <a:blip r:embed="rId2">
-            <a:extLst>
-              <a:ext uri="{28A0092B-C50C-407E-A947-70E740481C1C}">
-                <a14:useLocalDpi xmlns:a14="http://schemas.microsoft.com/office/drawing/2010/main" val="0"/>
-              </a:ext>
-              <a:ext uri="{96DAC541-7B7A-43D3-8B79-37D633B846F1}">
-                <asvg:svgBlip xmlns:asvg="http://schemas.microsoft.com/office/drawing/2016/SVG/main" xmlns="" r:embed="rId3"/>
-              </a:ext>
-            </a:extLst>
-          </a:blip>
-          <a:stretch>
-            <a:fillRect/>
-          </a:stretch>
-        </p:blipFill>
-        <p:spPr>
-          <a:xfrm>
-            <a:off x="838201" y="2743201"/>
-            <a:ext cx="1371600" cy="1371600"/>
-          </a:xfrm>
-          <a:prstGeom prst="rect">
-            <a:avLst/>
-          </a:prstGeom>
-        </p:spPr>
-      </p:pic>
-      <p:sp>
-        <p:nvSpPr>
-          <p:cNvPr id="2" name="Title 1">
-            <a:extLst>
-              <a:ext uri="{FF2B5EF4-FFF2-40B4-BE49-F238E27FC236}">
-                <a16:creationId xmlns:a16="http://schemas.microsoft.com/office/drawing/2014/main" id="{3A72E24B-250D-407C-98D9-47C79A7DB005}"/>
-              </a:ext>
-            </a:extLst>
-          </p:cNvPr>
-          <p:cNvSpPr>
-            <a:spLocks noGrp="1"/>
-          </p:cNvSpPr>
-          <p:nvPr>
-            <p:ph type="title"/>
-          </p:nvPr>
-        </p:nvSpPr>
-        <p:spPr>
-          <a:xfrm>
-            <a:off x="2370667" y="2187743"/>
-            <a:ext cx="5293449" cy="2482515"/>
-          </a:xfrm>
-        </p:spPr>
-        <p:txBody>
-          <a:bodyPr vert="horz" lIns="91440" tIns="45720" rIns="91440" bIns="45720" rtlCol="0" anchor="ctr">
-            <a:normAutofit/>
-          </a:bodyPr>
-          <a:lstStyle/>
-          <a:p>
-            <a:r>
-              <a:rPr lang="en-US" sz="6000" kern="1200">
-                <a:solidFill>
-                  <a:schemeClr val="tx1"/>
-                </a:solidFill>
-                <a:latin typeface="+mj-lt"/>
-                <a:ea typeface="+mj-ea"/>
-                <a:cs typeface="+mj-cs"/>
-              </a:rPr>
-              <a:t>Exit Ticket</a:t>
-            </a:r>
-          </a:p>
-        </p:txBody>
-      </p:sp>
-      <p:sp>
-        <p:nvSpPr>
-          <p:cNvPr id="3" name="Content Placeholder 2">
-            <a:extLst>
-              <a:ext uri="{FF2B5EF4-FFF2-40B4-BE49-F238E27FC236}">
-                <a16:creationId xmlns:a16="http://schemas.microsoft.com/office/drawing/2014/main" id="{47B850F7-2047-4E01-BD80-512565CB5F91}"/>
-              </a:ext>
-            </a:extLst>
-          </p:cNvPr>
-          <p:cNvSpPr>
-            <a:spLocks noGrp="1"/>
-          </p:cNvSpPr>
-          <p:nvPr>
-            <p:ph idx="1"/>
-          </p:nvPr>
-        </p:nvSpPr>
-        <p:spPr>
-          <a:xfrm>
-            <a:off x="2370667" y="4670258"/>
-            <a:ext cx="5293449" cy="1371405"/>
-          </a:xfrm>
-        </p:spPr>
-        <p:txBody>
-          <a:bodyPr vert="horz" lIns="91440" tIns="45720" rIns="91440" bIns="45720" rtlCol="0">
-            <a:normAutofit/>
-          </a:bodyPr>
-          <a:lstStyle/>
-          <a:p>
-            <a:pPr marL="0" indent="0">
-              <a:buNone/>
-            </a:pPr>
-            <a:r>
-              <a:rPr lang="en-US" sz="2400" kern="1200" dirty="0">
-                <a:solidFill>
-                  <a:schemeClr val="tx1"/>
-                </a:solidFill>
-                <a:latin typeface="+mn-lt"/>
-                <a:ea typeface="+mn-ea"/>
-                <a:cs typeface="+mn-cs"/>
-              </a:rPr>
-              <a:t>What was the most confusing thing we covered in this lesson?</a:t>
-            </a:r>
-          </a:p>
-        </p:txBody>
-      </p:sp>
-    </p:spTree>
-    <p:extLst>
-      <p:ext uri="{BB962C8B-B14F-4D97-AF65-F5344CB8AC3E}">
-        <p14:creationId xmlns:p14="http://schemas.microsoft.com/office/powerpoint/2010/main" val="2955921553"/>
-      </p:ext>
-    </p:extLst>
-  </p:cSld>
-  <p:clrMapOvr>
-    <a:masterClrMapping/>
-  </p:clrMapOvr>
-</p:sld>
-</file>
-
-<file path=ppt/slides/slide11.xml><?xml version="1.0" encoding="utf-8"?>
 <p:sld xmlns:a="http://schemas.openxmlformats.org/drawingml/2006/main" xmlns:r="http://schemas.openxmlformats.org/officeDocument/2006/relationships" xmlns:p="http://schemas.openxmlformats.org/presentationml/2006/main">
   <p:cSld>
     <p:bg>
@@ -4163,7 +3948,7 @@
                 <a14:useLocalDpi xmlns:a14="http://schemas.microsoft.com/office/drawing/2010/main" val="0"/>
               </a:ext>
               <a:ext uri="{96DAC541-7B7A-43D3-8B79-37D633B846F1}">
-                <asvg:svgBlip xmlns="" xmlns:asvg="http://schemas.microsoft.com/office/drawing/2016/SVG/main" r:embed="rId3"/>
+                <asvg:svgBlip xmlns:asvg="http://schemas.microsoft.com/office/drawing/2016/SVG/main" r:embed="rId3"/>
               </a:ext>
             </a:extLst>
           </a:blip>
@@ -4189,7 +3974,7 @@
                 <a16:creationId xmlns:a16="http://schemas.microsoft.com/office/drawing/2014/main" id="{1A882A9F-F4E9-4E23-8F0B-20B5DF42EAA9}"/>
               </a:ext>
               <a:ext uri="{C183D7F6-B498-43B3-948B-1728B52AA6E4}">
-                <adec:decorative xmlns="" xmlns:adec="http://schemas.microsoft.com/office/drawing/2017/decorative" val="1"/>
+                <adec:decorative xmlns:adec="http://schemas.microsoft.com/office/drawing/2017/decorative" val="1"/>
               </a:ext>
             </a:extLst>
           </p:cNvPr>
@@ -4283,7 +4068,7 @@
                 <a16:creationId xmlns:a16="http://schemas.microsoft.com/office/drawing/2014/main" id="{FBE9F90C-C163-435B-9A68-D15C92D1CF2B}"/>
               </a:ext>
               <a:ext uri="{C183D7F6-B498-43B3-948B-1728B52AA6E4}">
-                <adec:decorative xmlns="" xmlns:adec="http://schemas.microsoft.com/office/drawing/2017/decorative" val="1"/>
+                <adec:decorative xmlns:adec="http://schemas.microsoft.com/office/drawing/2017/decorative" val="1"/>
               </a:ext>
             </a:extLst>
           </p:cNvPr>
@@ -4377,7 +4162,7 @@
                 <a16:creationId xmlns:a16="http://schemas.microsoft.com/office/drawing/2014/main" id="{CDA1A2E9-63FE-408D-A803-8E306ECAB4B3}"/>
               </a:ext>
               <a:ext uri="{C183D7F6-B498-43B3-948B-1728B52AA6E4}">
-                <adec:decorative xmlns="" xmlns:adec="http://schemas.microsoft.com/office/drawing/2017/decorative" val="1"/>
+                <adec:decorative xmlns:adec="http://schemas.microsoft.com/office/drawing/2017/decorative" val="1"/>
               </a:ext>
             </a:extLst>
           </p:cNvPr>
@@ -4603,7 +4388,7 @@
                 <a14:useLocalDpi xmlns:a14="http://schemas.microsoft.com/office/drawing/2010/main" val="0"/>
               </a:ext>
               <a:ext uri="{96DAC541-7B7A-43D3-8B79-37D633B846F1}">
-                <asvg:svgBlip xmlns="" xmlns:asvg="http://schemas.microsoft.com/office/drawing/2016/SVG/main" r:embed="rId3"/>
+                <asvg:svgBlip xmlns:asvg="http://schemas.microsoft.com/office/drawing/2016/SVG/main" r:embed="rId3"/>
               </a:ext>
             </a:extLst>
           </a:blip>
@@ -4696,11 +4481,17 @@
             </a:r>
           </a:p>
           <a:p>
-            <a:r>
-              <a:rPr lang="en-US" smtClean="0"/>
+            <a:pPr lvl="1"/>
+            <a:r>
+              <a:rPr lang="en-US" dirty="0"/>
+              <a:t>Something</a:t>
+            </a:r>
+          </a:p>
+          <a:p>
+            <a:r>
+              <a:rPr lang="en-US" dirty="0"/>
               <a:t>Wrap-Up</a:t>
             </a:r>
-            <a:endParaRPr lang="en-US" dirty="0"/>
           </a:p>
         </p:txBody>
       </p:sp>
@@ -4750,7 +4541,7 @@
                 <a16:creationId xmlns:a16="http://schemas.microsoft.com/office/drawing/2014/main" id="{F98ED85F-DCEE-4B50-802E-71A6E3E12B04}"/>
               </a:ext>
               <a:ext uri="{C183D7F6-B498-43B3-948B-1728B52AA6E4}">
-                <adec:decorative xmlns="" xmlns:adec="http://schemas.microsoft.com/office/drawing/2017/decorative" val="1"/>
+                <adec:decorative xmlns:adec="http://schemas.microsoft.com/office/drawing/2017/decorative" val="1"/>
               </a:ext>
             </a:extLst>
           </p:cNvPr>
@@ -4975,10 +4766,9 @@
           <a:lstStyle/>
           <a:p>
             <a:r>
-              <a:rPr lang="en-US" sz="7200" dirty="0" smtClean="0"/>
+              <a:rPr lang="en-US" sz="7200" dirty="0"/>
               <a:t>Lab Debrief</a:t>
             </a:r>
-            <a:endParaRPr lang="en-US" sz="7200" dirty="0"/>
           </a:p>
         </p:txBody>
       </p:sp>
@@ -5000,10 +4790,9 @@
           <a:lstStyle/>
           <a:p>
             <a:r>
-              <a:rPr lang="en-US" sz="3200" smtClean="0"/>
+              <a:rPr lang="en-US" sz="3200"/>
               <a:t>Lab ?</a:t>
             </a:r>
-            <a:endParaRPr lang="en-US" sz="3200"/>
           </a:p>
         </p:txBody>
       </p:sp>
@@ -5185,7 +4974,7 @@
                 <a16:creationId xmlns:a16="http://schemas.microsoft.com/office/drawing/2014/main" id="{C66F2F30-5DC0-44A0-BFA6-E12F46ED16DA}"/>
               </a:ext>
               <a:ext uri="{C183D7F6-B498-43B3-948B-1728B52AA6E4}">
-                <adec:decorative xmlns="" xmlns:adec="http://schemas.microsoft.com/office/drawing/2017/decorative" val="1"/>
+                <adec:decorative xmlns:adec="http://schemas.microsoft.com/office/drawing/2017/decorative" val="1"/>
               </a:ext>
             </a:extLst>
           </p:cNvPr>
@@ -5309,7 +5098,7 @@
                 <a16:creationId xmlns:a16="http://schemas.microsoft.com/office/drawing/2014/main" id="{85872F57-7F42-4F97-8391-DDC8D0054C03}"/>
               </a:ext>
               <a:ext uri="{C183D7F6-B498-43B3-948B-1728B52AA6E4}">
-                <adec:decorative xmlns="" xmlns:adec="http://schemas.microsoft.com/office/drawing/2017/decorative" val="1"/>
+                <adec:decorative xmlns:adec="http://schemas.microsoft.com/office/drawing/2017/decorative" val="1"/>
               </a:ext>
             </a:extLst>
           </p:cNvPr>
@@ -5465,7 +5254,7 @@
                 <a16:creationId xmlns:a16="http://schemas.microsoft.com/office/drawing/2014/main" id="{04DC2037-48A0-4F22-B9D4-8EAEBC780AB4}"/>
               </a:ext>
               <a:ext uri="{C183D7F6-B498-43B3-948B-1728B52AA6E4}">
-                <adec:decorative xmlns="" xmlns:adec="http://schemas.microsoft.com/office/drawing/2017/decorative" val="1"/>
+                <adec:decorative xmlns:adec="http://schemas.microsoft.com/office/drawing/2017/decorative" val="1"/>
               </a:ext>
             </a:extLst>
           </p:cNvPr>
@@ -5570,7 +5359,7 @@
                 <a16:creationId xmlns:a16="http://schemas.microsoft.com/office/drawing/2014/main" id="{0006CBFD-ADA0-43D1-9332-9C34CA1C76ED}"/>
               </a:ext>
               <a:ext uri="{C183D7F6-B498-43B3-948B-1728B52AA6E4}">
-                <adec:decorative xmlns="" xmlns:adec="http://schemas.microsoft.com/office/drawing/2017/decorative" val="1"/>
+                <adec:decorative xmlns:adec="http://schemas.microsoft.com/office/drawing/2017/decorative" val="1"/>
               </a:ext>
             </a:extLst>
           </p:cNvPr>
@@ -5678,7 +5467,7 @@
                 <a16:creationId xmlns:a16="http://schemas.microsoft.com/office/drawing/2014/main" id="{2B931666-F28F-45F3-A074-66D2272D580B}"/>
               </a:ext>
               <a:ext uri="{C183D7F6-B498-43B3-948B-1728B52AA6E4}">
-                <adec:decorative xmlns="" xmlns:adec="http://schemas.microsoft.com/office/drawing/2017/decorative" val="1"/>
+                <adec:decorative xmlns:adec="http://schemas.microsoft.com/office/drawing/2017/decorative" val="1"/>
               </a:ext>
             </a:extLst>
           </p:cNvPr>
@@ -6045,7 +5834,7 @@
                 <a14:useLocalDpi xmlns:a14="http://schemas.microsoft.com/office/drawing/2010/main" val="0"/>
               </a:ext>
               <a:ext uri="{96DAC541-7B7A-43D3-8B79-37D633B846F1}">
-                <asvg:svgBlip xmlns="" xmlns:asvg="http://schemas.microsoft.com/office/drawing/2016/SVG/main" r:embed="rId4"/>
+                <asvg:svgBlip xmlns:asvg="http://schemas.microsoft.com/office/drawing/2016/SVG/main" r:embed="rId4"/>
               </a:ext>
             </a:extLst>
           </a:blip>
@@ -6071,7 +5860,7 @@
                 <a16:creationId xmlns:a16="http://schemas.microsoft.com/office/drawing/2014/main" id="{1A882A9F-F4E9-4E23-8F0B-20B5DF42EAA9}"/>
               </a:ext>
               <a:ext uri="{C183D7F6-B498-43B3-948B-1728B52AA6E4}">
-                <adec:decorative xmlns="" xmlns:adec="http://schemas.microsoft.com/office/drawing/2017/decorative" val="1"/>
+                <adec:decorative xmlns:adec="http://schemas.microsoft.com/office/drawing/2017/decorative" val="1"/>
               </a:ext>
             </a:extLst>
           </p:cNvPr>
@@ -6165,7 +5954,7 @@
                 <a16:creationId xmlns:a16="http://schemas.microsoft.com/office/drawing/2014/main" id="{FBE9F90C-C163-435B-9A68-D15C92D1CF2B}"/>
               </a:ext>
               <a:ext uri="{C183D7F6-B498-43B3-948B-1728B52AA6E4}">
-                <adec:decorative xmlns="" xmlns:adec="http://schemas.microsoft.com/office/drawing/2017/decorative" val="1"/>
+                <adec:decorative xmlns:adec="http://schemas.microsoft.com/office/drawing/2017/decorative" val="1"/>
               </a:ext>
             </a:extLst>
           </p:cNvPr>
@@ -6259,7 +6048,7 @@
                 <a16:creationId xmlns:a16="http://schemas.microsoft.com/office/drawing/2014/main" id="{CDA1A2E9-63FE-408D-A803-8E306ECAB4B3}"/>
               </a:ext>
               <a:ext uri="{C183D7F6-B498-43B3-948B-1728B52AA6E4}">
-                <adec:decorative xmlns="" xmlns:adec="http://schemas.microsoft.com/office/drawing/2017/decorative" val="1"/>
+                <adec:decorative xmlns:adec="http://schemas.microsoft.com/office/drawing/2017/decorative" val="1"/>
               </a:ext>
             </a:extLst>
           </p:cNvPr>
@@ -6516,21 +6305,21 @@
           <a:chExt cx="0" cy="0"/>
         </a:xfrm>
       </p:grpSpPr>
-      <p:pic>
-        <p:nvPicPr>
-          <p:cNvPr id="9" name="Graphic 8">
+      <p:sp>
+        <p:nvSpPr>
+          <p:cNvPr id="10" name="Rectangle 9">
             <a:extLst>
               <a:ext uri="{FF2B5EF4-FFF2-40B4-BE49-F238E27FC236}">
-                <a16:creationId xmlns:a16="http://schemas.microsoft.com/office/drawing/2014/main" id="{025E15EC-F3C2-49B3-B38B-7404B833B21C}"/>
+                <a16:creationId xmlns:a16="http://schemas.microsoft.com/office/drawing/2014/main" id="{CDA1A2E9-63FE-408D-A803-8E306ECAB4B3}"/>
               </a:ext>
               <a:ext uri="{C183D7F6-B498-43B3-948B-1728B52AA6E4}">
-                <adec:decorative xmlns:adec="http://schemas.microsoft.com/office/drawing/2017/decorative" xmlns="" val="1"/>
+                <adec:decorative xmlns:adec="http://schemas.microsoft.com/office/drawing/2017/decorative" val="1"/>
               </a:ext>
             </a:extLst>
           </p:cNvPr>
-          <p:cNvPicPr>
-            <a:picLocks noGrp="1" noRot="1" noChangeAspect="1" noMove="1" noResize="1" noEditPoints="1" noAdjustHandles="1" noChangeArrowheads="1" noChangeShapeType="1" noCrop="1"/>
-          </p:cNvPicPr>
+          <p:cNvSpPr>
+            <a:spLocks noGrp="1" noRot="1" noChangeAspect="1" noMove="1" noResize="1" noEditPoints="1" noAdjustHandles="1" noChangeArrowheads="1" noChangeShapeType="1" noTextEdit="1"/>
+          </p:cNvSpPr>
           <p:nvPr>
             <p:extLst>
               <p:ext uri="{386F3935-93C4-4BCD-93E2-E3B085C9AB24}">
@@ -6538,39 +6327,265 @@
               </p:ext>
             </p:extLst>
           </p:nvPr>
-        </p:nvPicPr>
-        <p:blipFill>
-          <a:blip r:embed="rId2">
-            <a:alphaModFix amt="15000"/>
-            <a:extLst>
-              <a:ext uri="{28A0092B-C50C-407E-A947-70E740481C1C}">
-                <a14:useLocalDpi xmlns:a14="http://schemas.microsoft.com/office/drawing/2010/main" val="0"/>
-              </a:ext>
-              <a:ext uri="{96DAC541-7B7A-43D3-8B79-37D633B846F1}">
-                <asvg:svgBlip xmlns:asvg="http://schemas.microsoft.com/office/drawing/2016/SVG/main" xmlns="" r:embed="rId3"/>
-              </a:ext>
-            </a:extLst>
-          </a:blip>
-          <a:stretch>
-            <a:fillRect/>
-          </a:stretch>
-        </p:blipFill>
+        </p:nvSpPr>
         <p:spPr>
           <a:xfrm>
-            <a:off x="6641431" y="816337"/>
-            <a:ext cx="5225327" cy="5225327"/>
+            <a:off x="462058" y="450221"/>
+            <a:ext cx="11272742" cy="3918123"/>
           </a:xfrm>
           <a:prstGeom prst="rect">
             <a:avLst/>
           </a:prstGeom>
+          <a:solidFill>
+            <a:srgbClr val="404040">
+              <a:alpha val="95000"/>
+            </a:srgbClr>
+          </a:solidFill>
+          <a:ln w="25400">
+            <a:noFill/>
+          </a:ln>
         </p:spPr>
-      </p:pic>
+        <p:style>
+          <a:lnRef idx="2">
+            <a:schemeClr val="accent1">
+              <a:shade val="50000"/>
+            </a:schemeClr>
+          </a:lnRef>
+          <a:fillRef idx="1">
+            <a:schemeClr val="accent1"/>
+          </a:fillRef>
+          <a:effectRef idx="0">
+            <a:schemeClr val="accent1"/>
+          </a:effectRef>
+          <a:fontRef idx="minor">
+            <a:schemeClr val="lt1"/>
+          </a:fontRef>
+        </p:style>
+        <p:txBody>
+          <a:bodyPr rtlCol="0" anchor="ctr"/>
+          <a:lstStyle/>
+          <a:p>
+            <a:pPr marL="0" marR="0" lvl="0" indent="0" algn="ctr" defTabSz="914400" rtl="0" eaLnBrk="1" fontAlgn="auto" latinLnBrk="0" hangingPunct="1">
+              <a:lnSpc>
+                <a:spcPct val="100000"/>
+              </a:lnSpc>
+              <a:spcBef>
+                <a:spcPts val="0"/>
+              </a:spcBef>
+              <a:spcAft>
+                <a:spcPts val="0"/>
+              </a:spcAft>
+              <a:buClrTx/>
+              <a:buSzTx/>
+              <a:buFontTx/>
+              <a:buNone/>
+              <a:tabLst/>
+              <a:defRPr/>
+            </a:pPr>
+            <a:endParaRPr kumimoji="0" lang="en-US" sz="1800" b="0" i="0" u="none" strike="noStrike" kern="1200" cap="none" spc="0" normalizeH="0" baseline="0" noProof="0">
+              <a:ln>
+                <a:noFill/>
+              </a:ln>
+              <a:solidFill>
+                <a:srgbClr val="404040"/>
+              </a:solidFill>
+              <a:effectLst/>
+              <a:uLnTx/>
+              <a:uFillTx/>
+              <a:latin typeface="Calibri" panose="020F0502020204030204"/>
+              <a:ea typeface="+mn-ea"/>
+              <a:cs typeface="+mn-cs"/>
+            </a:endParaRPr>
+          </a:p>
+        </p:txBody>
+      </p:sp>
+      <p:sp>
+        <p:nvSpPr>
+          <p:cNvPr id="2" name="Title 1">
+            <a:extLst>
+              <a:ext uri="{FF2B5EF4-FFF2-40B4-BE49-F238E27FC236}">
+                <a16:creationId xmlns:a16="http://schemas.microsoft.com/office/drawing/2014/main" id="{3A72E24B-250D-407C-98D9-47C79A7DB005}"/>
+              </a:ext>
+            </a:extLst>
+          </p:cNvPr>
+          <p:cNvSpPr>
+            <a:spLocks noGrp="1"/>
+          </p:cNvSpPr>
+          <p:nvPr>
+            <p:ph type="title"/>
+          </p:nvPr>
+        </p:nvSpPr>
+        <p:spPr>
+          <a:xfrm>
+            <a:off x="1100669" y="1111086"/>
+            <a:ext cx="10011831" cy="2623885"/>
+          </a:xfrm>
+        </p:spPr>
+        <p:txBody>
+          <a:bodyPr vert="horz" lIns="91440" tIns="45720" rIns="91440" bIns="45720" rtlCol="0" anchor="ctr">
+            <a:normAutofit/>
+          </a:bodyPr>
+          <a:lstStyle/>
+          <a:p>
+            <a:r>
+              <a:rPr lang="en-US" sz="6000" kern="1200">
+                <a:solidFill>
+                  <a:srgbClr val="FFFFFF"/>
+                </a:solidFill>
+                <a:latin typeface="+mj-lt"/>
+                <a:ea typeface="+mj-ea"/>
+                <a:cs typeface="+mj-cs"/>
+              </a:rPr>
+              <a:t>Exit Ticket</a:t>
+            </a:r>
+          </a:p>
+        </p:txBody>
+      </p:sp>
+      <p:sp>
+        <p:nvSpPr>
+          <p:cNvPr id="12" name="Rectangle 11">
+            <a:extLst>
+              <a:ext uri="{FF2B5EF4-FFF2-40B4-BE49-F238E27FC236}">
+                <a16:creationId xmlns:a16="http://schemas.microsoft.com/office/drawing/2014/main" id="{FBE9F90C-C163-435B-9A68-D15C92D1CF2B}"/>
+              </a:ext>
+              <a:ext uri="{C183D7F6-B498-43B3-948B-1728B52AA6E4}">
+                <adec:decorative xmlns:adec="http://schemas.microsoft.com/office/drawing/2017/decorative" val="1"/>
+              </a:ext>
+            </a:extLst>
+          </p:cNvPr>
+          <p:cNvSpPr>
+            <a:spLocks noGrp="1" noRot="1" noChangeAspect="1" noMove="1" noResize="1" noEditPoints="1" noAdjustHandles="1" noChangeArrowheads="1" noChangeShapeType="1" noTextEdit="1"/>
+          </p:cNvSpPr>
+          <p:nvPr>
+            <p:extLst>
+              <p:ext uri="{386F3935-93C4-4BCD-93E2-E3B085C9AB24}">
+                <p16:designElem xmlns:p16="http://schemas.microsoft.com/office/powerpoint/2015/main" val="1"/>
+              </p:ext>
+            </p:extLst>
+          </p:nvPr>
+        </p:nvSpPr>
+        <p:spPr>
+          <a:xfrm>
+            <a:off x="457200" y="4521269"/>
+            <a:ext cx="6699246" cy="1877811"/>
+          </a:xfrm>
+          <a:prstGeom prst="rect">
+            <a:avLst/>
+          </a:prstGeom>
+          <a:solidFill>
+            <a:srgbClr val="A5A5A5">
+              <a:alpha val="80000"/>
+            </a:srgbClr>
+          </a:solidFill>
+          <a:ln w="25400">
+            <a:noFill/>
+          </a:ln>
+        </p:spPr>
+        <p:style>
+          <a:lnRef idx="2">
+            <a:schemeClr val="accent1">
+              <a:shade val="50000"/>
+            </a:schemeClr>
+          </a:lnRef>
+          <a:fillRef idx="1">
+            <a:schemeClr val="accent1"/>
+          </a:fillRef>
+          <a:effectRef idx="0">
+            <a:schemeClr val="accent1"/>
+          </a:effectRef>
+          <a:fontRef idx="minor">
+            <a:schemeClr val="lt1"/>
+          </a:fontRef>
+        </p:style>
+        <p:txBody>
+          <a:bodyPr rtlCol="0" anchor="ctr"/>
+          <a:lstStyle/>
+          <a:p>
+            <a:pPr marL="0" marR="0" lvl="0" indent="0" algn="ctr" defTabSz="914400" rtl="0" eaLnBrk="1" fontAlgn="auto" latinLnBrk="0" hangingPunct="1">
+              <a:lnSpc>
+                <a:spcPct val="100000"/>
+              </a:lnSpc>
+              <a:spcBef>
+                <a:spcPts val="0"/>
+              </a:spcBef>
+              <a:spcAft>
+                <a:spcPts val="0"/>
+              </a:spcAft>
+              <a:buClrTx/>
+              <a:buSzTx/>
+              <a:buFontTx/>
+              <a:buNone/>
+              <a:tabLst/>
+              <a:defRPr/>
+            </a:pPr>
+            <a:endParaRPr kumimoji="0" lang="en-US" sz="1800" b="0" i="0" u="none" strike="noStrike" kern="1200" cap="none" spc="0" normalizeH="0" baseline="0" noProof="0">
+              <a:ln>
+                <a:noFill/>
+              </a:ln>
+              <a:solidFill>
+                <a:srgbClr val="FFFFFF"/>
+              </a:solidFill>
+              <a:effectLst/>
+              <a:uLnTx/>
+              <a:uFillTx/>
+              <a:latin typeface="Calibri" panose="020F0502020204030204"/>
+              <a:ea typeface="+mn-ea"/>
+              <a:cs typeface="+mn-cs"/>
+            </a:endParaRPr>
+          </a:p>
+        </p:txBody>
+      </p:sp>
+      <p:sp>
+        <p:nvSpPr>
+          <p:cNvPr id="3" name="Content Placeholder 2">
+            <a:extLst>
+              <a:ext uri="{FF2B5EF4-FFF2-40B4-BE49-F238E27FC236}">
+                <a16:creationId xmlns:a16="http://schemas.microsoft.com/office/drawing/2014/main" id="{47B850F7-2047-4E01-BD80-512565CB5F91}"/>
+              </a:ext>
+            </a:extLst>
+          </p:cNvPr>
+          <p:cNvSpPr>
+            <a:spLocks noGrp="1"/>
+          </p:cNvSpPr>
+          <p:nvPr>
+            <p:ph idx="1"/>
+          </p:nvPr>
+        </p:nvSpPr>
+        <p:spPr>
+          <a:xfrm>
+            <a:off x="1079500" y="4843002"/>
+            <a:ext cx="5433479" cy="1234345"/>
+          </a:xfrm>
+        </p:spPr>
+        <p:txBody>
+          <a:bodyPr vert="horz" lIns="91440" tIns="45720" rIns="91440" bIns="45720" rtlCol="0" anchor="ctr">
+            <a:normAutofit/>
+          </a:bodyPr>
+          <a:lstStyle/>
+          <a:p>
+            <a:pPr marL="0" indent="0">
+              <a:buNone/>
+            </a:pPr>
+            <a:r>
+              <a:rPr lang="en-US" sz="2400" kern="1200">
+                <a:solidFill>
+                  <a:srgbClr val="1B1B1B"/>
+                </a:solidFill>
+                <a:latin typeface="+mn-lt"/>
+                <a:ea typeface="+mn-ea"/>
+                <a:cs typeface="+mn-cs"/>
+              </a:rPr>
+              <a:t>Share one thing you learned today that you didn’t know before class!</a:t>
+            </a:r>
+          </a:p>
+        </p:txBody>
+      </p:sp>
       <p:pic>
         <p:nvPicPr>
-          <p:cNvPr id="7" name="Graphic 6">
+          <p:cNvPr id="7" name="Graphic 6" descr="Thought bubble">
             <a:extLst>
               <a:ext uri="{FF2B5EF4-FFF2-40B4-BE49-F238E27FC236}">
-                <a16:creationId xmlns:a16="http://schemas.microsoft.com/office/drawing/2014/main" id="{CC95D478-A923-4EB5-AF9F-E8648FF3409D}"/>
+                <a16:creationId xmlns:a16="http://schemas.microsoft.com/office/drawing/2014/main" id="{D4765563-368F-4728-A7C9-87996B31B12F}"/>
               </a:ext>
             </a:extLst>
           </p:cNvPr>
@@ -6586,7 +6601,7 @@
                 <a14:useLocalDpi xmlns:a14="http://schemas.microsoft.com/office/drawing/2010/main" val="0"/>
               </a:ext>
               <a:ext uri="{96DAC541-7B7A-43D3-8B79-37D633B846F1}">
-                <asvg:svgBlip xmlns:asvg="http://schemas.microsoft.com/office/drawing/2016/SVG/main" xmlns="" r:embed="rId3"/>
+                <asvg:svgBlip xmlns:asvg="http://schemas.microsoft.com/office/drawing/2016/SVG/main" r:embed="rId3"/>
               </a:ext>
             </a:extLst>
           </a:blip>
@@ -6596,8 +6611,8 @@
         </p:blipFill>
         <p:spPr>
           <a:xfrm>
-            <a:off x="838201" y="2743201"/>
-            <a:ext cx="1371600" cy="1371600"/>
+            <a:off x="7571572" y="4648201"/>
+            <a:ext cx="1632648" cy="1632648"/>
           </a:xfrm>
           <a:prstGeom prst="rect">
             <a:avLst/>
@@ -6606,95 +6621,102 @@
       </p:pic>
       <p:sp>
         <p:nvSpPr>
-          <p:cNvPr id="2" name="Title 1">
+          <p:cNvPr id="14" name="Rectangle 13">
             <a:extLst>
               <a:ext uri="{FF2B5EF4-FFF2-40B4-BE49-F238E27FC236}">
-                <a16:creationId xmlns:a16="http://schemas.microsoft.com/office/drawing/2014/main" id="{3A72E24B-250D-407C-98D9-47C79A7DB005}"/>
+                <a16:creationId xmlns:a16="http://schemas.microsoft.com/office/drawing/2014/main" id="{1A882A9F-F4E9-4E23-8F0B-20B5DF42EAA9}"/>
+              </a:ext>
+              <a:ext uri="{C183D7F6-B498-43B3-948B-1728B52AA6E4}">
+                <adec:decorative xmlns:adec="http://schemas.microsoft.com/office/drawing/2017/decorative" val="1"/>
               </a:ext>
             </a:extLst>
           </p:cNvPr>
           <p:cNvSpPr>
-            <a:spLocks noGrp="1"/>
-          </p:cNvSpPr>
-          <p:nvPr>
-            <p:ph type="title"/>
+            <a:spLocks noGrp="1" noRot="1" noChangeAspect="1" noMove="1" noResize="1" noEditPoints="1" noAdjustHandles="1" noChangeArrowheads="1" noChangeShapeType="1" noTextEdit="1"/>
+          </p:cNvSpPr>
+          <p:nvPr>
+            <p:extLst>
+              <p:ext uri="{386F3935-93C4-4BCD-93E2-E3B085C9AB24}">
+                <p16:designElem xmlns:p16="http://schemas.microsoft.com/office/powerpoint/2015/main" val="1"/>
+              </p:ext>
+            </p:extLst>
           </p:nvPr>
         </p:nvSpPr>
         <p:spPr>
           <a:xfrm>
-            <a:off x="2370667" y="2187743"/>
-            <a:ext cx="5293449" cy="2482515"/>
+            <a:off x="9619345" y="4521270"/>
+            <a:ext cx="2115455" cy="1890204"/>
           </a:xfrm>
+          <a:prstGeom prst="rect">
+            <a:avLst/>
+          </a:prstGeom>
+          <a:solidFill>
+            <a:schemeClr val="accent1">
+              <a:alpha val="95000"/>
+            </a:schemeClr>
+          </a:solidFill>
+          <a:ln w="25400">
+            <a:noFill/>
+          </a:ln>
         </p:spPr>
-        <p:txBody>
-          <a:bodyPr vert="horz" lIns="91440" tIns="45720" rIns="91440" bIns="45720" rtlCol="0" anchor="ctr">
-            <a:normAutofit/>
-          </a:bodyPr>
-          <a:lstStyle/>
-          <a:p>
-            <a:r>
-              <a:rPr lang="en-US" sz="6000" kern="1200" dirty="0">
-                <a:solidFill>
-                  <a:schemeClr val="tx1"/>
-                </a:solidFill>
-                <a:latin typeface="+mj-lt"/>
-                <a:ea typeface="+mj-ea"/>
-                <a:cs typeface="+mj-cs"/>
-              </a:rPr>
-              <a:t>Exit Ticket</a:t>
-            </a:r>
-          </a:p>
-        </p:txBody>
-      </p:sp>
-      <p:sp>
-        <p:nvSpPr>
-          <p:cNvPr id="3" name="Content Placeholder 2">
-            <a:extLst>
-              <a:ext uri="{FF2B5EF4-FFF2-40B4-BE49-F238E27FC236}">
-                <a16:creationId xmlns:a16="http://schemas.microsoft.com/office/drawing/2014/main" id="{47B850F7-2047-4E01-BD80-512565CB5F91}"/>
-              </a:ext>
-            </a:extLst>
-          </p:cNvPr>
-          <p:cNvSpPr>
-            <a:spLocks noGrp="1"/>
-          </p:cNvSpPr>
-          <p:nvPr>
-            <p:ph idx="1"/>
-          </p:nvPr>
-        </p:nvSpPr>
-        <p:spPr>
-          <a:xfrm>
-            <a:off x="2370667" y="4670258"/>
-            <a:ext cx="6409776" cy="1371405"/>
-          </a:xfrm>
-        </p:spPr>
-        <p:txBody>
-          <a:bodyPr vert="horz" lIns="91440" tIns="45720" rIns="91440" bIns="45720" rtlCol="0">
-            <a:normAutofit/>
-          </a:bodyPr>
-          <a:lstStyle/>
-          <a:p>
-            <a:pPr marL="0" indent="0">
-              <a:buNone/>
+        <p:style>
+          <a:lnRef idx="2">
+            <a:schemeClr val="accent1">
+              <a:shade val="50000"/>
+            </a:schemeClr>
+          </a:lnRef>
+          <a:fillRef idx="1">
+            <a:schemeClr val="accent1"/>
+          </a:fillRef>
+          <a:effectRef idx="0">
+            <a:schemeClr val="accent1"/>
+          </a:effectRef>
+          <a:fontRef idx="minor">
+            <a:schemeClr val="lt1"/>
+          </a:fontRef>
+        </p:style>
+        <p:txBody>
+          <a:bodyPr rtlCol="0" anchor="ctr"/>
+          <a:lstStyle/>
+          <a:p>
+            <a:pPr marL="0" marR="0" lvl="0" indent="0" algn="ctr" defTabSz="914400" rtl="0" eaLnBrk="1" fontAlgn="auto" latinLnBrk="0" hangingPunct="1">
+              <a:lnSpc>
+                <a:spcPct val="100000"/>
+              </a:lnSpc>
+              <a:spcBef>
+                <a:spcPts val="0"/>
+              </a:spcBef>
+              <a:spcAft>
+                <a:spcPts val="0"/>
+              </a:spcAft>
+              <a:buClrTx/>
+              <a:buSzTx/>
+              <a:buFontTx/>
+              <a:buNone/>
+              <a:tabLst/>
+              <a:defRPr/>
             </a:pPr>
-            <a:r>
-              <a:rPr lang="en-US" sz="2400" kern="1200" dirty="0">
-                <a:solidFill>
-                  <a:schemeClr val="tx1"/>
-                </a:solidFill>
-                <a:latin typeface="+mn-lt"/>
-                <a:ea typeface="+mn-ea"/>
-                <a:cs typeface="+mn-cs"/>
-              </a:rPr>
-              <a:t>Share one thing you learned today that you didn’t know before class!</a:t>
-            </a:r>
+            <a:endParaRPr kumimoji="0" lang="en-US" sz="1800" b="0" i="0" u="none" strike="noStrike" kern="1200" cap="none" spc="0" normalizeH="0" baseline="0" noProof="0">
+              <a:ln>
+                <a:noFill/>
+              </a:ln>
+              <a:solidFill>
+                <a:srgbClr val="FFFFFF"/>
+              </a:solidFill>
+              <a:effectLst/>
+              <a:uLnTx/>
+              <a:uFillTx/>
+              <a:latin typeface="Calibri" panose="020F0502020204030204"/>
+              <a:ea typeface="+mn-ea"/>
+              <a:cs typeface="+mn-cs"/>
+            </a:endParaRPr>
           </a:p>
         </p:txBody>
       </p:sp>
     </p:spTree>
     <p:extLst>
       <p:ext uri="{BB962C8B-B14F-4D97-AF65-F5344CB8AC3E}">
-        <p14:creationId xmlns:p14="http://schemas.microsoft.com/office/powerpoint/2010/main" val="3548486517"/>
+        <p14:creationId xmlns:p14="http://schemas.microsoft.com/office/powerpoint/2010/main" val="373008021"/>
       </p:ext>
     </p:extLst>
   </p:cSld>
